--- a/chatting.pptx
+++ b/chatting.pptx
@@ -5,13 +5,12 @@
     <p:sldMasterId id="2147483648" r:id="rId1"/>
   </p:sldMasterIdLst>
   <p:notesMasterIdLst>
-    <p:notesMasterId r:id="rId6"/>
+    <p:notesMasterId r:id="rId5"/>
   </p:notesMasterIdLst>
   <p:sldIdLst>
     <p:sldId id="256" r:id="rId2"/>
     <p:sldId id="257" r:id="rId3"/>
     <p:sldId id="262" r:id="rId4"/>
-    <p:sldId id="264" r:id="rId5"/>
   </p:sldIdLst>
   <p:sldSz cx="12192000" cy="6858000"/>
   <p:notesSz cx="6858000" cy="9144000"/>
@@ -200,7 +199,7 @@
           <a:p>
             <a:fld id="{4B205740-88D9-4209-A47E-0BCE9E80B102}" type="datetimeFigureOut">
               <a:rPr lang="en-US" smtClean="0"/>
-              <a:t>4/10/2022</a:t>
+              <a:t>4/17/2022</a:t>
             </a:fld>
             <a:endParaRPr lang="en-US"/>
           </a:p>
@@ -642,58 +641,343 @@
           <a:lstStyle/>
           <a:p>
             <a:r>
-              <a:rPr lang="en-US" dirty="0"/>
-              <a:t>Date</a:t>
+              <a:rPr lang="ko-KR" altLang="en-US" dirty="0" err="1"/>
+              <a:t>무상태</a:t>
             </a:r>
             <a:r>
               <a:rPr lang="ko-KR" altLang="en-US" dirty="0"/>
-              <a:t>에 가중치를 </a:t>
+              <a:t> 서비스는 </a:t>
+            </a:r>
+            <a:r>
+              <a:rPr lang="en-US" altLang="ko-KR" dirty="0"/>
+              <a:t>Http</a:t>
+            </a:r>
+            <a:r>
+              <a:rPr lang="ko-KR" altLang="en-US" dirty="0"/>
+              <a:t>로 연결함</a:t>
+            </a:r>
+            <a:r>
+              <a:rPr lang="en-US" altLang="ko-KR" dirty="0"/>
+              <a:t>.</a:t>
+            </a:r>
+          </a:p>
+          <a:p>
+            <a:r>
+              <a:rPr lang="ko-KR" altLang="en-US" dirty="0"/>
+              <a:t>유저 관리</a:t>
+            </a:r>
+            <a:r>
+              <a:rPr lang="en-US" altLang="ko-KR" dirty="0"/>
+              <a:t>, </a:t>
+            </a:r>
+            <a:r>
+              <a:rPr lang="ko-KR" altLang="en-US" dirty="0"/>
+              <a:t>그룹 관리</a:t>
+            </a:r>
+            <a:r>
+              <a:rPr lang="en-US" altLang="ko-KR" dirty="0"/>
+              <a:t>, </a:t>
+            </a:r>
+            <a:r>
+              <a:rPr lang="ko-KR" altLang="en-US" dirty="0"/>
+              <a:t>채팅 서버 매칭</a:t>
+            </a:r>
+            <a:r>
+              <a:rPr lang="en-US" altLang="ko-KR" dirty="0"/>
+              <a:t>, </a:t>
+            </a:r>
+            <a:r>
+              <a:rPr lang="ko-KR" altLang="en-US" dirty="0"/>
+              <a:t>권한 관리 등의 기능 포함</a:t>
+            </a:r>
+            <a:endParaRPr lang="en-US" altLang="ko-KR" dirty="0"/>
+          </a:p>
+          <a:p>
+            <a:endParaRPr lang="en-US" dirty="0"/>
+          </a:p>
+          <a:p>
+            <a:r>
+              <a:rPr lang="ko-KR" altLang="en-US" dirty="0"/>
+              <a:t>시스템에 접속하면 </a:t>
+            </a:r>
+            <a:r>
+              <a:rPr lang="en-US" altLang="ko-KR" dirty="0" err="1"/>
+              <a:t>Zooker</a:t>
+            </a:r>
+            <a:r>
+              <a:rPr lang="ko-KR" altLang="en-US" dirty="0"/>
+              <a:t>가 적절한 </a:t>
+            </a:r>
+            <a:r>
+              <a:rPr lang="en-US" altLang="ko-KR" dirty="0"/>
+              <a:t>Chat Server</a:t>
+            </a:r>
+            <a:r>
+              <a:rPr lang="ko-KR" altLang="en-US" dirty="0"/>
+              <a:t>를 찾아주고 사용자와 </a:t>
+            </a:r>
+            <a:r>
+              <a:rPr lang="en-US" altLang="ko-KR" dirty="0"/>
+              <a:t>WebSocket </a:t>
+            </a:r>
+            <a:r>
+              <a:rPr lang="ko-KR" altLang="en-US" dirty="0"/>
+              <a:t>연결됨</a:t>
+            </a:r>
+            <a:r>
+              <a:rPr lang="en-US" altLang="ko-KR" dirty="0"/>
+              <a:t>.</a:t>
+            </a:r>
+          </a:p>
+          <a:p>
+            <a:endParaRPr lang="en-US" altLang="ko-KR" dirty="0"/>
+          </a:p>
+          <a:p>
+            <a:r>
+              <a:rPr lang="ko-KR" altLang="en-US" dirty="0"/>
+              <a:t>사용자 접속 상태 확인을 위해 주기적으로 </a:t>
+            </a:r>
+            <a:r>
+              <a:rPr lang="en-US" altLang="ko-KR" dirty="0"/>
+              <a:t>Client</a:t>
+            </a:r>
+            <a:r>
+              <a:rPr lang="ko-KR" altLang="en-US" dirty="0"/>
+              <a:t>에서 </a:t>
+            </a:r>
+            <a:r>
+              <a:rPr lang="en-US" altLang="ko-KR" dirty="0"/>
+              <a:t>Chat Service</a:t>
+            </a:r>
+            <a:r>
+              <a:rPr lang="ko-KR" altLang="en-US" dirty="0"/>
+              <a:t>로 메시지 전송</a:t>
+            </a:r>
+            <a:r>
+              <a:rPr lang="en-US" altLang="ko-KR" dirty="0"/>
+              <a:t>.</a:t>
+            </a:r>
+          </a:p>
+          <a:p>
+            <a:r>
+              <a:rPr lang="en-US" altLang="ko-KR" dirty="0"/>
+              <a:t>Chat Service</a:t>
+            </a:r>
+            <a:r>
+              <a:rPr lang="ko-KR" altLang="en-US" dirty="0"/>
+              <a:t>에서는 일정기간 동안 </a:t>
+            </a:r>
+            <a:r>
+              <a:rPr lang="en-US" altLang="ko-KR" dirty="0"/>
+              <a:t>Heart Beat </a:t>
             </a:r>
             <a:r>
               <a:rPr lang="ko-KR" altLang="en-US" dirty="0" err="1"/>
-              <a:t>워서</a:t>
+              <a:t>안날아오면</a:t>
             </a:r>
             <a:r>
               <a:rPr lang="ko-KR" altLang="en-US" dirty="0"/>
-              <a:t> 최신 검색된 내용이 우선으로 </a:t>
+              <a:t> 사용자 죽었다고 판단</a:t>
+            </a:r>
+            <a:endParaRPr lang="en-US" altLang="ko-KR" dirty="0"/>
+          </a:p>
+          <a:p>
+            <a:endParaRPr lang="en-US" altLang="ko-KR" dirty="0"/>
+          </a:p>
+          <a:p>
+            <a:r>
+              <a:rPr lang="ko-KR" altLang="en-US" dirty="0"/>
+              <a:t>채팅 메시지로 </a:t>
+            </a:r>
+            <a:r>
+              <a:rPr lang="ko-KR" altLang="en-US" dirty="0" err="1"/>
+              <a:t>파일스트림이</a:t>
+            </a:r>
+            <a:r>
+              <a:rPr lang="ko-KR" altLang="en-US" dirty="0"/>
+              <a:t> 날아오면 </a:t>
             </a:r>
             <a:r>
               <a:rPr lang="en-US" altLang="ko-KR" dirty="0"/>
-              <a:t>Suggestion </a:t>
+              <a:t>Chat Service</a:t>
             </a:r>
             <a:r>
               <a:rPr lang="ko-KR" altLang="en-US" dirty="0"/>
-              <a:t>될 수 있게 하고 </a:t>
+              <a:t>는 </a:t>
+            </a:r>
+            <a:r>
+              <a:rPr lang="en-US" altLang="ko-KR" dirty="0" err="1"/>
+              <a:t>FileData</a:t>
+            </a:r>
+            <a:r>
+              <a:rPr lang="ko-KR" altLang="en-US" dirty="0"/>
+              <a:t>와 물리 파일을 </a:t>
             </a:r>
             <a:r>
               <a:rPr lang="en-US" altLang="ko-KR" dirty="0"/>
-              <a:t>Region(</a:t>
+              <a:t>Storage</a:t>
+            </a:r>
+            <a:r>
+              <a:rPr lang="ko-KR" altLang="en-US" dirty="0"/>
+              <a:t>에 저장하고 </a:t>
+            </a:r>
+            <a:r>
+              <a:rPr lang="en-US" altLang="ko-KR" dirty="0"/>
+              <a:t>download </a:t>
             </a:r>
             <a:r>
               <a:rPr lang="en-US" altLang="ko-KR" dirty="0" err="1"/>
-              <a:t>idc</a:t>
+              <a:t>url</a:t>
+            </a:r>
+            <a:r>
+              <a:rPr lang="ko-KR" altLang="en-US" dirty="0"/>
+              <a:t>을 </a:t>
             </a:r>
             <a:r>
               <a:rPr lang="en-US" altLang="ko-KR" dirty="0"/>
-              <a:t>) </a:t>
+              <a:t>Message Que</a:t>
             </a:r>
             <a:r>
               <a:rPr lang="ko-KR" altLang="en-US" dirty="0"/>
-              <a:t>별로 </a:t>
-            </a:r>
-            <a:r>
-              <a:rPr lang="en-US" altLang="ko-KR" dirty="0" err="1"/>
-              <a:t>Trie</a:t>
+              <a:t>로 전달</a:t>
+            </a:r>
+            <a:endParaRPr lang="en-US" altLang="ko-KR" dirty="0"/>
+          </a:p>
+          <a:p>
+            <a:endParaRPr lang="en-US" altLang="ko-KR" dirty="0"/>
+          </a:p>
+          <a:p>
+            <a:r>
+              <a:rPr lang="ko-KR" altLang="en-US" dirty="0"/>
+              <a:t>일반적인 채팅 메시지가 날아오면 </a:t>
+            </a:r>
+            <a:r>
+              <a:rPr lang="en-US" altLang="ko-KR" dirty="0"/>
+              <a:t>Chat Service</a:t>
+            </a:r>
+            <a:r>
+              <a:rPr lang="ko-KR" altLang="en-US" dirty="0"/>
+              <a:t>에서 수신자의 </a:t>
+            </a:r>
+            <a:r>
+              <a:rPr lang="en-US" altLang="ko-KR" dirty="0"/>
+              <a:t>Public Key</a:t>
+            </a:r>
+            <a:r>
+              <a:rPr lang="ko-KR" altLang="en-US" dirty="0"/>
+              <a:t>를 사용해 메시지 암호화</a:t>
+            </a:r>
+            <a:r>
+              <a:rPr lang="en-US" altLang="ko-KR" dirty="0"/>
+              <a:t>.</a:t>
+            </a:r>
+          </a:p>
+          <a:p>
+            <a:r>
+              <a:rPr lang="ko-KR" altLang="en-US" dirty="0"/>
+              <a:t>각 유저별로 생성된 </a:t>
+            </a:r>
+            <a:r>
+              <a:rPr lang="en-US" altLang="ko-KR" dirty="0"/>
+              <a:t>Message Queue</a:t>
+            </a:r>
+            <a:r>
+              <a:rPr lang="ko-KR" altLang="en-US" dirty="0"/>
+              <a:t>에 전달</a:t>
+            </a:r>
+            <a:endParaRPr lang="en-US" altLang="ko-KR" dirty="0"/>
+          </a:p>
+          <a:p>
+            <a:endParaRPr lang="en-US" altLang="ko-KR" dirty="0"/>
+          </a:p>
+          <a:p>
+            <a:r>
+              <a:rPr lang="en-US" altLang="ko-KR" dirty="0"/>
+              <a:t>Message Queue</a:t>
+            </a:r>
+            <a:r>
+              <a:rPr lang="ko-KR" altLang="en-US" dirty="0"/>
+              <a:t>는 </a:t>
+            </a:r>
+            <a:r>
+              <a:rPr lang="en-US" altLang="ko-KR" dirty="0"/>
+              <a:t>chat log</a:t>
+            </a:r>
+            <a:r>
+              <a:rPr lang="ko-KR" altLang="en-US" dirty="0"/>
+              <a:t>에 데이터를 저장</a:t>
+            </a:r>
+            <a:endParaRPr lang="en-US" altLang="ko-KR" dirty="0"/>
+          </a:p>
+          <a:p>
+            <a:endParaRPr lang="en-US" altLang="ko-KR" dirty="0"/>
+          </a:p>
+          <a:p>
+            <a:r>
+              <a:rPr lang="ko-KR" altLang="en-US" dirty="0"/>
+              <a:t>수신자의 </a:t>
+            </a:r>
+            <a:r>
+              <a:rPr lang="en-US" altLang="ko-KR" dirty="0"/>
+              <a:t>Chat Server</a:t>
+            </a:r>
+            <a:r>
+              <a:rPr lang="ko-KR" altLang="en-US" dirty="0"/>
+              <a:t>는 </a:t>
+            </a:r>
+            <a:r>
+              <a:rPr lang="en-US" altLang="ko-KR" dirty="0"/>
+              <a:t>Message Queue</a:t>
+            </a:r>
+            <a:r>
+              <a:rPr lang="ko-KR" altLang="en-US" dirty="0"/>
+              <a:t>에서 채팅 메시지</a:t>
             </a:r>
             <a:r>
               <a:rPr lang="en-US" altLang="ko-KR" dirty="0"/>
               <a:t> </a:t>
             </a:r>
             <a:r>
-              <a:rPr lang="ko-KR" altLang="en-US"/>
-              <a:t>데이터 분리</a:t>
-            </a:r>
-            <a:endParaRPr lang="en-US"/>
+              <a:rPr lang="ko-KR" altLang="en-US" dirty="0" err="1"/>
+              <a:t>가져감</a:t>
+            </a:r>
+            <a:r>
+              <a:rPr lang="en-US" altLang="ko-KR" dirty="0"/>
+              <a:t>.</a:t>
+            </a:r>
+          </a:p>
+          <a:p>
+            <a:r>
+              <a:rPr lang="en-US" altLang="ko-KR" dirty="0"/>
+              <a:t>Client</a:t>
+            </a:r>
+            <a:r>
+              <a:rPr lang="ko-KR" altLang="en-US" dirty="0"/>
+              <a:t>에서 수신자의 </a:t>
+            </a:r>
+            <a:r>
+              <a:rPr lang="en-US" altLang="ko-KR" dirty="0"/>
+              <a:t>Private Key</a:t>
+            </a:r>
+            <a:r>
+              <a:rPr lang="ko-KR" altLang="en-US" dirty="0"/>
+              <a:t>를</a:t>
+            </a:r>
+            <a:r>
+              <a:rPr lang="en-US" altLang="ko-KR" dirty="0"/>
+              <a:t> </a:t>
+            </a:r>
+            <a:r>
+              <a:rPr lang="ko-KR" altLang="en-US" dirty="0"/>
+              <a:t>사용해 채팅 메시지 복호화</a:t>
+            </a:r>
+            <a:endParaRPr lang="en-US" altLang="ko-KR" dirty="0"/>
+          </a:p>
+          <a:p>
+            <a:endParaRPr lang="en-US" altLang="ko-KR" dirty="0"/>
+          </a:p>
+          <a:p>
+            <a:endParaRPr lang="en-US" altLang="ko-KR" dirty="0"/>
           </a:p>
         </p:txBody>
       </p:sp>
@@ -714,7 +998,7 @@
           <a:p>
             <a:fld id="{9CCB2FE8-5A4E-411E-98E9-7037462713E5}" type="slidenum">
               <a:rPr lang="en-US" smtClean="0"/>
-              <a:t>4</a:t>
+              <a:t>3</a:t>
             </a:fld>
             <a:endParaRPr lang="en-US"/>
           </a:p>
@@ -723,7 +1007,7 @@
     </p:spTree>
     <p:extLst>
       <p:ext uri="{BB962C8B-B14F-4D97-AF65-F5344CB8AC3E}">
-        <p14:creationId xmlns:p14="http://schemas.microsoft.com/office/powerpoint/2010/main" val="3607264147"/>
+        <p14:creationId xmlns:p14="http://schemas.microsoft.com/office/powerpoint/2010/main" val="3628380654"/>
       </p:ext>
     </p:extLst>
   </p:cSld>
@@ -880,7 +1164,7 @@
           <a:p>
             <a:fld id="{F8CF6AE2-A0FC-44DC-A05B-B063A26E2107}" type="datetimeFigureOut">
               <a:rPr lang="en-US" smtClean="0"/>
-              <a:t>4/10/2022</a:t>
+              <a:t>4/17/2022</a:t>
             </a:fld>
             <a:endParaRPr lang="en-US"/>
           </a:p>
@@ -1078,7 +1362,7 @@
           <a:p>
             <a:fld id="{F8CF6AE2-A0FC-44DC-A05B-B063A26E2107}" type="datetimeFigureOut">
               <a:rPr lang="en-US" smtClean="0"/>
-              <a:t>4/10/2022</a:t>
+              <a:t>4/17/2022</a:t>
             </a:fld>
             <a:endParaRPr lang="en-US"/>
           </a:p>
@@ -1286,7 +1570,7 @@
           <a:p>
             <a:fld id="{F8CF6AE2-A0FC-44DC-A05B-B063A26E2107}" type="datetimeFigureOut">
               <a:rPr lang="en-US" smtClean="0"/>
-              <a:t>4/10/2022</a:t>
+              <a:t>4/17/2022</a:t>
             </a:fld>
             <a:endParaRPr lang="en-US"/>
           </a:p>
@@ -1484,7 +1768,7 @@
           <a:p>
             <a:fld id="{F8CF6AE2-A0FC-44DC-A05B-B063A26E2107}" type="datetimeFigureOut">
               <a:rPr lang="en-US" smtClean="0"/>
-              <a:t>4/10/2022</a:t>
+              <a:t>4/17/2022</a:t>
             </a:fld>
             <a:endParaRPr lang="en-US"/>
           </a:p>
@@ -1759,7 +2043,7 @@
           <a:p>
             <a:fld id="{F8CF6AE2-A0FC-44DC-A05B-B063A26E2107}" type="datetimeFigureOut">
               <a:rPr lang="en-US" smtClean="0"/>
-              <a:t>4/10/2022</a:t>
+              <a:t>4/17/2022</a:t>
             </a:fld>
             <a:endParaRPr lang="en-US"/>
           </a:p>
@@ -2024,7 +2308,7 @@
           <a:p>
             <a:fld id="{F8CF6AE2-A0FC-44DC-A05B-B063A26E2107}" type="datetimeFigureOut">
               <a:rPr lang="en-US" smtClean="0"/>
-              <a:t>4/10/2022</a:t>
+              <a:t>4/17/2022</a:t>
             </a:fld>
             <a:endParaRPr lang="en-US"/>
           </a:p>
@@ -2436,7 +2720,7 @@
           <a:p>
             <a:fld id="{F8CF6AE2-A0FC-44DC-A05B-B063A26E2107}" type="datetimeFigureOut">
               <a:rPr lang="en-US" smtClean="0"/>
-              <a:t>4/10/2022</a:t>
+              <a:t>4/17/2022</a:t>
             </a:fld>
             <a:endParaRPr lang="en-US"/>
           </a:p>
@@ -2577,7 +2861,7 @@
           <a:p>
             <a:fld id="{F8CF6AE2-A0FC-44DC-A05B-B063A26E2107}" type="datetimeFigureOut">
               <a:rPr lang="en-US" smtClean="0"/>
-              <a:t>4/10/2022</a:t>
+              <a:t>4/17/2022</a:t>
             </a:fld>
             <a:endParaRPr lang="en-US"/>
           </a:p>
@@ -2690,7 +2974,7 @@
           <a:p>
             <a:fld id="{F8CF6AE2-A0FC-44DC-A05B-B063A26E2107}" type="datetimeFigureOut">
               <a:rPr lang="en-US" smtClean="0"/>
-              <a:t>4/10/2022</a:t>
+              <a:t>4/17/2022</a:t>
             </a:fld>
             <a:endParaRPr lang="en-US"/>
           </a:p>
@@ -3001,7 +3285,7 @@
           <a:p>
             <a:fld id="{F8CF6AE2-A0FC-44DC-A05B-B063A26E2107}" type="datetimeFigureOut">
               <a:rPr lang="en-US" smtClean="0"/>
-              <a:t>4/10/2022</a:t>
+              <a:t>4/17/2022</a:t>
             </a:fld>
             <a:endParaRPr lang="en-US"/>
           </a:p>
@@ -3289,7 +3573,7 @@
           <a:p>
             <a:fld id="{F8CF6AE2-A0FC-44DC-A05B-B063A26E2107}" type="datetimeFigureOut">
               <a:rPr lang="en-US" smtClean="0"/>
-              <a:t>4/10/2022</a:t>
+              <a:t>4/17/2022</a:t>
             </a:fld>
             <a:endParaRPr lang="en-US"/>
           </a:p>
@@ -3530,7 +3814,7 @@
           <a:p>
             <a:fld id="{F8CF6AE2-A0FC-44DC-A05B-B063A26E2107}" type="datetimeFigureOut">
               <a:rPr lang="en-US" smtClean="0"/>
-              <a:t>4/10/2022</a:t>
+              <a:t>4/17/2022</a:t>
             </a:fld>
             <a:endParaRPr lang="en-US"/>
           </a:p>
@@ -3970,7 +4254,7 @@
           <a:p>
             <a:r>
               <a:rPr lang="en-US" dirty="0"/>
-              <a:t>Autocomplete</a:t>
+              <a:t>Design a Chat app like WhatsApp &amp; FB m</a:t>
             </a:r>
           </a:p>
         </p:txBody>
@@ -4097,15 +4381,15 @@
         </p:nvSpPr>
         <p:spPr>
           <a:xfrm>
-            <a:off x="227805" y="739428"/>
-            <a:ext cx="6096000" cy="4770537"/>
+            <a:off x="227804" y="739428"/>
+            <a:ext cx="7087395" cy="5262979"/>
           </a:xfrm>
           <a:prstGeom prst="rect">
             <a:avLst/>
           </a:prstGeom>
         </p:spPr>
         <p:txBody>
-          <a:bodyPr>
+          <a:bodyPr wrap="square">
             <a:spAutoFit/>
           </a:bodyPr>
           <a:lstStyle/>
@@ -4149,39 +4433,7 @@
                 </a:solidFill>
                 <a:latin typeface="-apple-system"/>
               </a:rPr>
-              <a:t> Keyword Retrieve, Save</a:t>
-            </a:r>
-            <a:br>
-              <a:rPr lang="en-US" sz="1600" dirty="0">
-                <a:solidFill>
-                  <a:srgbClr val="424242"/>
-                </a:solidFill>
-                <a:latin typeface="-apple-system"/>
-              </a:rPr>
-            </a:br>
-            <a:r>
-              <a:rPr lang="en-US" sz="1600" dirty="0">
-                <a:solidFill>
-                  <a:srgbClr val="424242"/>
-                </a:solidFill>
-                <a:latin typeface="-apple-system"/>
-              </a:rPr>
-              <a:t>  </a:t>
-            </a:r>
-          </a:p>
-          <a:p>
-            <a:pPr>
-              <a:buFont typeface="+mj-lt"/>
-              <a:buAutoNum type="arabicPeriod"/>
-            </a:pPr>
-            <a:r>
-              <a:rPr lang="en-US" sz="1600" dirty="0">
-                <a:solidFill>
-                  <a:srgbClr val="424242"/>
-                </a:solidFill>
-                <a:latin typeface="-apple-system"/>
-              </a:rPr>
-              <a:t> Prefix search</a:t>
+              <a:t> Available group chat</a:t>
             </a:r>
           </a:p>
           <a:p>
@@ -4208,7 +4460,7 @@
                 </a:solidFill>
                 <a:latin typeface="-apple-system"/>
               </a:rPr>
-              <a:t> Sorted by ranking model</a:t>
+              <a:t> At most users for each group : 500</a:t>
             </a:r>
           </a:p>
           <a:p>
@@ -4216,36 +4468,7 @@
               <a:buFont typeface="+mj-lt"/>
               <a:buAutoNum type="arabicPeriod"/>
             </a:pPr>
-            <a:endParaRPr lang="en-US" altLang="ko-KR" sz="1600" b="0" i="0" dirty="0">
-              <a:solidFill>
-                <a:srgbClr val="424242"/>
-              </a:solidFill>
-              <a:effectLst/>
-              <a:latin typeface="-apple-system"/>
-            </a:endParaRPr>
-          </a:p>
-          <a:p>
-            <a:pPr>
-              <a:buFont typeface="+mj-lt"/>
-              <a:buAutoNum type="arabicPeriod"/>
-            </a:pPr>
-            <a:r>
-              <a:rPr lang="en-US" altLang="ko-KR" sz="1600" b="0" i="0" dirty="0">
-                <a:solidFill>
-                  <a:srgbClr val="424242"/>
-                </a:solidFill>
-                <a:effectLst/>
-                <a:latin typeface="-apple-system"/>
-              </a:rPr>
-              <a:t> Low latency</a:t>
-            </a:r>
-          </a:p>
-          <a:p>
-            <a:pPr>
-              <a:buFont typeface="+mj-lt"/>
-              <a:buAutoNum type="arabicPeriod"/>
-            </a:pPr>
-            <a:endParaRPr lang="en-US" altLang="ko-KR" sz="1600" dirty="0">
+            <a:endParaRPr lang="en-US" sz="1600" dirty="0">
               <a:solidFill>
                 <a:srgbClr val="424242"/>
               </a:solidFill>
@@ -4258,13 +4481,13 @@
               <a:buAutoNum type="arabicPeriod"/>
             </a:pPr>
             <a:r>
-              <a:rPr lang="en-US" altLang="ko-KR" sz="1600" dirty="0">
+              <a:rPr lang="en-US" sz="1600" dirty="0">
                 <a:solidFill>
                   <a:srgbClr val="424242"/>
                 </a:solidFill>
                 <a:latin typeface="-apple-system"/>
               </a:rPr>
-              <a:t> Scalable</a:t>
+              <a:t> Upload files. (file size limit : 1gb)</a:t>
             </a:r>
           </a:p>
           <a:p>
@@ -4272,7 +4495,90 @@
               <a:buFont typeface="+mj-lt"/>
               <a:buAutoNum type="arabicPeriod"/>
             </a:pPr>
-            <a:endParaRPr lang="en-US" altLang="ko-KR" sz="1600" dirty="0">
+            <a:endParaRPr lang="en-US" sz="1600" dirty="0">
+              <a:solidFill>
+                <a:srgbClr val="424242"/>
+              </a:solidFill>
+              <a:latin typeface="-apple-system"/>
+            </a:endParaRPr>
+          </a:p>
+          <a:p>
+            <a:pPr>
+              <a:buFont typeface="+mj-lt"/>
+              <a:buAutoNum type="arabicPeriod"/>
+            </a:pPr>
+            <a:r>
+              <a:rPr lang="en-US" sz="1600" dirty="0">
+                <a:solidFill>
+                  <a:srgbClr val="424242"/>
+                </a:solidFill>
+                <a:latin typeface="-apple-system"/>
+              </a:rPr>
+              <a:t> End-to end Encryption</a:t>
+            </a:r>
+          </a:p>
+          <a:p>
+            <a:pPr>
+              <a:buFont typeface="+mj-lt"/>
+              <a:buAutoNum type="arabicPeriod"/>
+            </a:pPr>
+            <a:endParaRPr lang="en-US" sz="1600" dirty="0">
+              <a:solidFill>
+                <a:srgbClr val="424242"/>
+              </a:solidFill>
+              <a:latin typeface="-apple-system"/>
+            </a:endParaRPr>
+          </a:p>
+          <a:p>
+            <a:pPr>
+              <a:buFont typeface="+mj-lt"/>
+              <a:buAutoNum type="arabicPeriod"/>
+            </a:pPr>
+            <a:r>
+              <a:rPr lang="en-US" sz="1600" dirty="0">
+                <a:solidFill>
+                  <a:srgbClr val="424242"/>
+                </a:solidFill>
+                <a:latin typeface="-apple-system"/>
+              </a:rPr>
+              <a:t> Tracking user status</a:t>
+            </a:r>
+          </a:p>
+          <a:p>
+            <a:pPr>
+              <a:buFont typeface="+mj-lt"/>
+              <a:buAutoNum type="arabicPeriod"/>
+            </a:pPr>
+            <a:endParaRPr lang="en-US" sz="1600" dirty="0">
+              <a:solidFill>
+                <a:srgbClr val="424242"/>
+              </a:solidFill>
+              <a:latin typeface="-apple-system"/>
+            </a:endParaRPr>
+          </a:p>
+          <a:p>
+            <a:pPr>
+              <a:buFont typeface="+mj-lt"/>
+              <a:buAutoNum type="arabicPeriod"/>
+            </a:pPr>
+            <a:r>
+              <a:rPr lang="en-US" sz="1600" dirty="0">
+                <a:solidFill>
+                  <a:srgbClr val="424242"/>
+                </a:solidFill>
+                <a:latin typeface="-apple-system"/>
+              </a:rPr>
+              <a:t> Chat data is saved permanently</a:t>
+            </a:r>
+            <a:br>
+              <a:rPr lang="en-US" sz="1600" dirty="0">
+                <a:solidFill>
+                  <a:srgbClr val="424242"/>
+                </a:solidFill>
+                <a:latin typeface="-apple-system"/>
+              </a:rPr>
+            </a:br>
+            <a:endParaRPr lang="en-US" sz="1600" dirty="0">
               <a:solidFill>
                 <a:srgbClr val="424242"/>
               </a:solidFill>
@@ -4325,7 +4631,7 @@
                 </a:solidFill>
                 <a:latin typeface="-apple-system"/>
               </a:rPr>
-              <a:t>    - Each Users search 10 times everyday.</a:t>
+              <a:t>    - Each users send 100 messages everyday. (20bytes)</a:t>
             </a:r>
             <a:br>
               <a:rPr lang="en-US" altLang="ko-KR" sz="1600" dirty="0">
@@ -4342,7 +4648,7 @@
                 </a:solidFill>
                 <a:latin typeface="-apple-system"/>
               </a:rPr>
-              <a:t>    - Query Size : 20bytes ( 5bytes * 4words )</a:t>
+              <a:t>    - Each users upload a file (500kb)</a:t>
             </a:r>
             <a:br>
               <a:rPr lang="en-US" altLang="ko-KR" sz="1600" dirty="0">
@@ -4359,24 +4665,18 @@
                 </a:solidFill>
                 <a:latin typeface="-apple-system"/>
               </a:rPr>
-              <a:t>    - QPS : 10millon * 10times * 4words/24hours/3600sec = 4600</a:t>
-            </a:r>
-            <a:br>
+              <a:t>    - 10million * 100 * 20bytes * 30days = Needs 600gb storage every month</a:t>
+            </a:r>
+          </a:p>
+          <a:p>
+            <a:r>
               <a:rPr lang="en-US" altLang="ko-KR" sz="1600" dirty="0">
                 <a:solidFill>
                   <a:srgbClr val="424242"/>
                 </a:solidFill>
                 <a:latin typeface="-apple-system"/>
               </a:rPr>
-            </a:br>
-            <a:r>
-              <a:rPr lang="en-US" altLang="ko-KR" sz="1600" dirty="0">
-                <a:solidFill>
-                  <a:srgbClr val="424242"/>
-                </a:solidFill>
-                <a:latin typeface="-apple-system"/>
-              </a:rPr>
-              <a:t>    - Max QPS : 9200QPS </a:t>
+              <a:t>    - 10million * 1 * 500kb * 30days = Needs 150tb file storage every month  </a:t>
             </a:r>
             <a:br>
               <a:rPr lang="en-US" altLang="ko-KR" sz="1600" dirty="0">
@@ -4527,7 +4827,7 @@
           <p:nvPr/>
         </p:nvPicPr>
         <p:blipFill>
-          <a:blip r:embed="rId2">
+          <a:blip r:embed="rId3">
             <a:extLst>
               <a:ext uri="{28A0092B-C50C-407E-A947-70E740481C1C}">
                 <a14:useLocalDpi xmlns:a14="http://schemas.microsoft.com/office/drawing/2010/main" val="0"/>
@@ -4540,7 +4840,7 @@
         </p:blipFill>
         <p:spPr>
           <a:xfrm>
-            <a:off x="3082179" y="1817291"/>
+            <a:off x="805421" y="1979447"/>
             <a:ext cx="649224" cy="649224"/>
           </a:xfrm>
           <a:prstGeom prst="rect">
@@ -4554,42 +4854,6 @@
             <a:extLst>
               <a:ext uri="{FF2B5EF4-FFF2-40B4-BE49-F238E27FC236}">
                 <a16:creationId xmlns:a16="http://schemas.microsoft.com/office/drawing/2014/main" id="{D0236DBD-C6EF-4666-8314-3B1333D93D16}"/>
-              </a:ext>
-            </a:extLst>
-          </p:cNvPr>
-          <p:cNvPicPr>
-            <a:picLocks noChangeAspect="1"/>
-          </p:cNvPicPr>
-          <p:nvPr/>
-        </p:nvPicPr>
-        <p:blipFill>
-          <a:blip r:embed="rId3">
-            <a:extLst>
-              <a:ext uri="{28A0092B-C50C-407E-A947-70E740481C1C}">
-                <a14:useLocalDpi xmlns:a14="http://schemas.microsoft.com/office/drawing/2010/main" val="0"/>
-              </a:ext>
-            </a:extLst>
-          </a:blip>
-          <a:stretch>
-            <a:fillRect/>
-          </a:stretch>
-        </p:blipFill>
-        <p:spPr>
-          <a:xfrm>
-            <a:off x="3043256" y="2932792"/>
-            <a:ext cx="609600" cy="609600"/>
-          </a:xfrm>
-          <a:prstGeom prst="rect">
-            <a:avLst/>
-          </a:prstGeom>
-        </p:spPr>
-      </p:pic>
-      <p:pic>
-        <p:nvPicPr>
-          <p:cNvPr id="13" name="Picture 12">
-            <a:extLst>
-              <a:ext uri="{FF2B5EF4-FFF2-40B4-BE49-F238E27FC236}">
-                <a16:creationId xmlns:a16="http://schemas.microsoft.com/office/drawing/2014/main" id="{FB378A14-75EF-4D5F-AC87-B2A1D8252912}"/>
               </a:ext>
             </a:extLst>
           </p:cNvPr>
@@ -4612,35 +4876,287 @@
         </p:blipFill>
         <p:spPr>
           <a:xfrm>
-            <a:off x="2969403" y="3779645"/>
-            <a:ext cx="762000" cy="762000"/>
+            <a:off x="842623" y="2845370"/>
+            <a:ext cx="609600" cy="609600"/>
           </a:xfrm>
           <a:prstGeom prst="rect">
             <a:avLst/>
           </a:prstGeom>
         </p:spPr>
       </p:pic>
+      <p:pic>
+        <p:nvPicPr>
+          <p:cNvPr id="45" name="Picture 44">
+            <a:extLst>
+              <a:ext uri="{FF2B5EF4-FFF2-40B4-BE49-F238E27FC236}">
+                <a16:creationId xmlns:a16="http://schemas.microsoft.com/office/drawing/2014/main" id="{10CB6E65-D58F-4A3D-B17A-8680A0DFE73E}"/>
+              </a:ext>
+            </a:extLst>
+          </p:cNvPr>
+          <p:cNvPicPr>
+            <a:picLocks noChangeAspect="1"/>
+          </p:cNvPicPr>
+          <p:nvPr/>
+        </p:nvPicPr>
+        <p:blipFill>
+          <a:blip r:embed="rId5">
+            <a:extLst>
+              <a:ext uri="{28A0092B-C50C-407E-A947-70E740481C1C}">
+                <a14:useLocalDpi xmlns:a14="http://schemas.microsoft.com/office/drawing/2010/main" val="0"/>
+              </a:ext>
+            </a:extLst>
+          </a:blip>
+          <a:stretch>
+            <a:fillRect/>
+          </a:stretch>
+        </p:blipFill>
+        <p:spPr>
+          <a:xfrm>
+            <a:off x="4039448" y="2766793"/>
+            <a:ext cx="380998" cy="380998"/>
+          </a:xfrm>
+          <a:prstGeom prst="rect">
+            <a:avLst/>
+          </a:prstGeom>
+        </p:spPr>
+      </p:pic>
+      <p:sp>
+        <p:nvSpPr>
+          <p:cNvPr id="47" name="TextBox 46">
+            <a:extLst>
+              <a:ext uri="{FF2B5EF4-FFF2-40B4-BE49-F238E27FC236}">
+                <a16:creationId xmlns:a16="http://schemas.microsoft.com/office/drawing/2014/main" id="{8614C4A4-5D71-44B4-9D91-579D5C70632E}"/>
+              </a:ext>
+            </a:extLst>
+          </p:cNvPr>
+          <p:cNvSpPr txBox="1"/>
+          <p:nvPr/>
+        </p:nvSpPr>
+        <p:spPr>
+          <a:xfrm>
+            <a:off x="3911102" y="3529390"/>
+            <a:ext cx="859531" cy="253916"/>
+          </a:xfrm>
+          <a:prstGeom prst="rect">
+            <a:avLst/>
+          </a:prstGeom>
+          <a:noFill/>
+        </p:spPr>
+        <p:txBody>
+          <a:bodyPr wrap="none" rtlCol="0">
+            <a:spAutoFit/>
+          </a:bodyPr>
+          <a:lstStyle/>
+          <a:p>
+            <a:pPr algn="ctr"/>
+            <a:r>
+              <a:rPr lang="en-US" sz="1050" dirty="0"/>
+              <a:t>Chat Service</a:t>
+            </a:r>
+          </a:p>
+        </p:txBody>
+      </p:sp>
+      <p:pic>
+        <p:nvPicPr>
+          <p:cNvPr id="48" name="Picture 47">
+            <a:extLst>
+              <a:ext uri="{FF2B5EF4-FFF2-40B4-BE49-F238E27FC236}">
+                <a16:creationId xmlns:a16="http://schemas.microsoft.com/office/drawing/2014/main" id="{3A9B5347-67C2-4961-BAF2-D53584C8B564}"/>
+              </a:ext>
+            </a:extLst>
+          </p:cNvPr>
+          <p:cNvPicPr>
+            <a:picLocks noChangeAspect="1"/>
+          </p:cNvPicPr>
+          <p:nvPr/>
+        </p:nvPicPr>
+        <p:blipFill>
+          <a:blip r:embed="rId5">
+            <a:extLst>
+              <a:ext uri="{28A0092B-C50C-407E-A947-70E740481C1C}">
+                <a14:useLocalDpi xmlns:a14="http://schemas.microsoft.com/office/drawing/2010/main" val="0"/>
+              </a:ext>
+            </a:extLst>
+          </a:blip>
+          <a:stretch>
+            <a:fillRect/>
+          </a:stretch>
+        </p:blipFill>
+        <p:spPr>
+          <a:xfrm>
+            <a:off x="4301903" y="2767698"/>
+            <a:ext cx="380998" cy="380998"/>
+          </a:xfrm>
+          <a:prstGeom prst="rect">
+            <a:avLst/>
+          </a:prstGeom>
+        </p:spPr>
+      </p:pic>
+      <p:pic>
+        <p:nvPicPr>
+          <p:cNvPr id="49" name="Picture 48">
+            <a:extLst>
+              <a:ext uri="{FF2B5EF4-FFF2-40B4-BE49-F238E27FC236}">
+                <a16:creationId xmlns:a16="http://schemas.microsoft.com/office/drawing/2014/main" id="{98688AC4-F604-4354-94F3-68397C7E6E57}"/>
+              </a:ext>
+            </a:extLst>
+          </p:cNvPr>
+          <p:cNvPicPr>
+            <a:picLocks noChangeAspect="1"/>
+          </p:cNvPicPr>
+          <p:nvPr/>
+        </p:nvPicPr>
+        <p:blipFill>
+          <a:blip r:embed="rId5">
+            <a:extLst>
+              <a:ext uri="{28A0092B-C50C-407E-A947-70E740481C1C}">
+                <a14:useLocalDpi xmlns:a14="http://schemas.microsoft.com/office/drawing/2010/main" val="0"/>
+              </a:ext>
+            </a:extLst>
+          </a:blip>
+          <a:stretch>
+            <a:fillRect/>
+          </a:stretch>
+        </p:blipFill>
+        <p:spPr>
+          <a:xfrm>
+            <a:off x="4041870" y="3147795"/>
+            <a:ext cx="380998" cy="380998"/>
+          </a:xfrm>
+          <a:prstGeom prst="rect">
+            <a:avLst/>
+          </a:prstGeom>
+        </p:spPr>
+      </p:pic>
+      <p:pic>
+        <p:nvPicPr>
+          <p:cNvPr id="50" name="Picture 49">
+            <a:extLst>
+              <a:ext uri="{FF2B5EF4-FFF2-40B4-BE49-F238E27FC236}">
+                <a16:creationId xmlns:a16="http://schemas.microsoft.com/office/drawing/2014/main" id="{CFA4857E-73BA-4A41-BCBC-7AB180749AEA}"/>
+              </a:ext>
+            </a:extLst>
+          </p:cNvPr>
+          <p:cNvPicPr>
+            <a:picLocks noChangeAspect="1"/>
+          </p:cNvPicPr>
+          <p:nvPr/>
+        </p:nvPicPr>
+        <p:blipFill>
+          <a:blip r:embed="rId5">
+            <a:extLst>
+              <a:ext uri="{28A0092B-C50C-407E-A947-70E740481C1C}">
+                <a14:useLocalDpi xmlns:a14="http://schemas.microsoft.com/office/drawing/2010/main" val="0"/>
+              </a:ext>
+            </a:extLst>
+          </a:blip>
+          <a:stretch>
+            <a:fillRect/>
+          </a:stretch>
+        </p:blipFill>
+        <p:spPr>
+          <a:xfrm>
+            <a:off x="4304325" y="3148700"/>
+            <a:ext cx="380998" cy="380998"/>
+          </a:xfrm>
+          <a:prstGeom prst="rect">
+            <a:avLst/>
+          </a:prstGeom>
+        </p:spPr>
+      </p:pic>
+      <p:pic>
+        <p:nvPicPr>
+          <p:cNvPr id="46" name="Picture 45">
+            <a:extLst>
+              <a:ext uri="{FF2B5EF4-FFF2-40B4-BE49-F238E27FC236}">
+                <a16:creationId xmlns:a16="http://schemas.microsoft.com/office/drawing/2014/main" id="{5A3A604F-8466-4183-A08F-4CEAC24A20DE}"/>
+              </a:ext>
+            </a:extLst>
+          </p:cNvPr>
+          <p:cNvPicPr>
+            <a:picLocks noChangeAspect="1"/>
+          </p:cNvPicPr>
+          <p:nvPr/>
+        </p:nvPicPr>
+        <p:blipFill>
+          <a:blip r:embed="rId6">
+            <a:extLst>
+              <a:ext uri="{28A0092B-C50C-407E-A947-70E740481C1C}">
+                <a14:useLocalDpi xmlns:a14="http://schemas.microsoft.com/office/drawing/2010/main" val="0"/>
+              </a:ext>
+            </a:extLst>
+          </a:blip>
+          <a:stretch>
+            <a:fillRect/>
+          </a:stretch>
+        </p:blipFill>
+        <p:spPr>
+          <a:xfrm>
+            <a:off x="9162284" y="1430909"/>
+            <a:ext cx="385463" cy="385463"/>
+          </a:xfrm>
+          <a:prstGeom prst="rect">
+            <a:avLst/>
+          </a:prstGeom>
+        </p:spPr>
+      </p:pic>
+      <p:sp>
+        <p:nvSpPr>
+          <p:cNvPr id="56" name="TextBox 55">
+            <a:extLst>
+              <a:ext uri="{FF2B5EF4-FFF2-40B4-BE49-F238E27FC236}">
+                <a16:creationId xmlns:a16="http://schemas.microsoft.com/office/drawing/2014/main" id="{9F33184F-DCFB-4E96-957E-1699456EA00D}"/>
+              </a:ext>
+            </a:extLst>
+          </p:cNvPr>
+          <p:cNvSpPr txBox="1"/>
+          <p:nvPr/>
+        </p:nvSpPr>
+        <p:spPr>
+          <a:xfrm>
+            <a:off x="2971806" y="3084378"/>
+            <a:ext cx="827471" cy="253916"/>
+          </a:xfrm>
+          <a:prstGeom prst="rect">
+            <a:avLst/>
+          </a:prstGeom>
+          <a:noFill/>
+        </p:spPr>
+        <p:txBody>
+          <a:bodyPr wrap="none" rtlCol="0">
+            <a:spAutoFit/>
+          </a:bodyPr>
+          <a:lstStyle/>
+          <a:p>
+            <a:pPr algn="ctr"/>
+            <a:r>
+              <a:rPr lang="en-US" sz="1050" dirty="0"/>
+              <a:t>Web socket</a:t>
+            </a:r>
+          </a:p>
+        </p:txBody>
+      </p:sp>
       <p:cxnSp>
         <p:nvCxnSpPr>
-          <p:cNvPr id="26" name="Straight Arrow Connector 25">
-            <a:extLst>
-              <a:ext uri="{FF2B5EF4-FFF2-40B4-BE49-F238E27FC236}">
-                <a16:creationId xmlns:a16="http://schemas.microsoft.com/office/drawing/2014/main" id="{76DB3B7F-BDF2-4DA5-B7CD-A8954B1A286F}"/>
+          <p:cNvPr id="10" name="Connector: Elbow 9">
+            <a:extLst>
+              <a:ext uri="{FF2B5EF4-FFF2-40B4-BE49-F238E27FC236}">
+                <a16:creationId xmlns:a16="http://schemas.microsoft.com/office/drawing/2014/main" id="{E4FE3B6A-A3DD-4480-8EBB-FA032F03372D}"/>
               </a:ext>
             </a:extLst>
           </p:cNvPr>
           <p:cNvCxnSpPr>
-            <a:cxnSpLocks/>
-            <a:stCxn id="3" idx="3"/>
+            <a:stCxn id="6" idx="3"/>
+            <a:endCxn id="49" idx="1"/>
           </p:cNvCxnSpPr>
           <p:nvPr/>
         </p:nvCxnSpPr>
         <p:spPr>
-          <a:xfrm flipV="1">
-            <a:off x="3652856" y="3229368"/>
-            <a:ext cx="1470841" cy="8224"/>
-          </a:xfrm>
-          <a:prstGeom prst="straightConnector1">
+          <a:xfrm>
+            <a:off x="1454645" y="2304059"/>
+            <a:ext cx="2587225" cy="1034235"/>
+          </a:xfrm>
+          <a:prstGeom prst="bentConnector3">
             <a:avLst/>
           </a:prstGeom>
           <a:ln>
@@ -4665,69 +5181,29 @@
       </p:cxnSp>
       <p:cxnSp>
         <p:nvCxnSpPr>
-          <p:cNvPr id="28" name="Straight Arrow Connector 27">
-            <a:extLst>
-              <a:ext uri="{FF2B5EF4-FFF2-40B4-BE49-F238E27FC236}">
-                <a16:creationId xmlns:a16="http://schemas.microsoft.com/office/drawing/2014/main" id="{E64F958E-596C-4454-90DD-84AFF9C2ABB3}"/>
+          <p:cNvPr id="25" name="Connector: Elbow 24">
+            <a:extLst>
+              <a:ext uri="{FF2B5EF4-FFF2-40B4-BE49-F238E27FC236}">
+                <a16:creationId xmlns:a16="http://schemas.microsoft.com/office/drawing/2014/main" id="{D853DCD2-89CC-436F-BD40-A49128748727}"/>
               </a:ext>
             </a:extLst>
           </p:cNvPr>
           <p:cNvCxnSpPr>
             <a:cxnSpLocks/>
-            <a:stCxn id="13" idx="3"/>
+            <a:stCxn id="3" idx="3"/>
+            <a:endCxn id="49" idx="1"/>
           </p:cNvCxnSpPr>
           <p:nvPr/>
         </p:nvCxnSpPr>
         <p:spPr>
-          <a:xfrm flipV="1">
-            <a:off x="3731403" y="3229368"/>
-            <a:ext cx="1392294" cy="931277"/>
-          </a:xfrm>
-          <a:prstGeom prst="straightConnector1">
-            <a:avLst/>
-          </a:prstGeom>
-          <a:ln>
-            <a:headEnd type="triangle"/>
-            <a:tailEnd type="triangle"/>
-          </a:ln>
-        </p:spPr>
-        <p:style>
-          <a:lnRef idx="1">
-            <a:schemeClr val="accent1"/>
-          </a:lnRef>
-          <a:fillRef idx="0">
-            <a:schemeClr val="accent1"/>
-          </a:fillRef>
-          <a:effectRef idx="0">
-            <a:schemeClr val="accent1"/>
-          </a:effectRef>
-          <a:fontRef idx="minor">
-            <a:schemeClr val="tx1"/>
-          </a:fontRef>
-        </p:style>
-      </p:cxnSp>
-      <p:cxnSp>
-        <p:nvCxnSpPr>
-          <p:cNvPr id="31" name="Straight Arrow Connector 30">
-            <a:extLst>
-              <a:ext uri="{FF2B5EF4-FFF2-40B4-BE49-F238E27FC236}">
-                <a16:creationId xmlns:a16="http://schemas.microsoft.com/office/drawing/2014/main" id="{B9B1C215-4FBD-4DAE-AB8B-515F320D047F}"/>
-              </a:ext>
-            </a:extLst>
-          </p:cNvPr>
-          <p:cNvCxnSpPr>
-            <a:cxnSpLocks/>
-            <a:stCxn id="6" idx="3"/>
-          </p:cNvCxnSpPr>
-          <p:nvPr/>
-        </p:nvCxnSpPr>
-        <p:spPr>
           <a:xfrm>
-            <a:off x="3731403" y="2141903"/>
-            <a:ext cx="1392294" cy="1087465"/>
-          </a:xfrm>
-          <a:prstGeom prst="straightConnector1">
-            <a:avLst/>
+            <a:off x="1452223" y="3150170"/>
+            <a:ext cx="2589647" cy="188124"/>
+          </a:xfrm>
+          <a:prstGeom prst="bentConnector3">
+            <a:avLst>
+              <a:gd name="adj1" fmla="val 50000"/>
+            </a:avLst>
           </a:prstGeom>
           <a:ln>
             <a:headEnd type="triangle"/>
@@ -4751,10 +5227,10 @@
       </p:cxnSp>
       <p:pic>
         <p:nvPicPr>
-          <p:cNvPr id="45" name="Picture 44">
-            <a:extLst>
-              <a:ext uri="{FF2B5EF4-FFF2-40B4-BE49-F238E27FC236}">
-                <a16:creationId xmlns:a16="http://schemas.microsoft.com/office/drawing/2014/main" id="{10CB6E65-D58F-4A3D-B17A-8680A0DFE73E}"/>
+          <p:cNvPr id="29" name="Picture 28">
+            <a:extLst>
+              <a:ext uri="{FF2B5EF4-FFF2-40B4-BE49-F238E27FC236}">
+                <a16:creationId xmlns:a16="http://schemas.microsoft.com/office/drawing/2014/main" id="{F0BD1768-0DB9-44CE-B685-924CF8811657}"/>
               </a:ext>
             </a:extLst>
           </p:cNvPr>
@@ -4777,7 +5253,7 @@
         </p:blipFill>
         <p:spPr>
           <a:xfrm>
-            <a:off x="5087422" y="2856594"/>
+            <a:off x="5126887" y="1256527"/>
             <a:ext cx="380998" cy="380998"/>
           </a:xfrm>
           <a:prstGeom prst="rect">
@@ -4785,55 +5261,12 @@
           </a:prstGeom>
         </p:spPr>
       </p:pic>
-      <p:sp>
-        <p:nvSpPr>
-          <p:cNvPr id="47" name="TextBox 46">
-            <a:extLst>
-              <a:ext uri="{FF2B5EF4-FFF2-40B4-BE49-F238E27FC236}">
-                <a16:creationId xmlns:a16="http://schemas.microsoft.com/office/drawing/2014/main" id="{8614C4A4-5D71-44B4-9D91-579D5C70632E}"/>
-              </a:ext>
-            </a:extLst>
-          </p:cNvPr>
-          <p:cNvSpPr txBox="1"/>
-          <p:nvPr/>
-        </p:nvSpPr>
-        <p:spPr>
-          <a:xfrm>
-            <a:off x="4882934" y="3619191"/>
-            <a:ext cx="1011815" cy="430887"/>
-          </a:xfrm>
-          <a:prstGeom prst="rect">
-            <a:avLst/>
-          </a:prstGeom>
-          <a:noFill/>
-        </p:spPr>
-        <p:txBody>
-          <a:bodyPr wrap="none" rtlCol="0">
-            <a:spAutoFit/>
-          </a:bodyPr>
-          <a:lstStyle/>
-          <a:p>
-            <a:pPr algn="ctr"/>
-            <a:r>
-              <a:rPr lang="en-US" sz="1050" dirty="0"/>
-              <a:t>Keyword </a:t>
-            </a:r>
-            <a:br>
-              <a:rPr lang="en-US" sz="1050" dirty="0"/>
-            </a:br>
-            <a:r>
-              <a:rPr lang="en-US" sz="1050" dirty="0"/>
-              <a:t>Search Service</a:t>
-            </a:r>
-          </a:p>
-        </p:txBody>
-      </p:sp>
       <p:pic>
         <p:nvPicPr>
-          <p:cNvPr id="48" name="Picture 47">
-            <a:extLst>
-              <a:ext uri="{FF2B5EF4-FFF2-40B4-BE49-F238E27FC236}">
-                <a16:creationId xmlns:a16="http://schemas.microsoft.com/office/drawing/2014/main" id="{3A9B5347-67C2-4961-BAF2-D53584C8B564}"/>
+          <p:cNvPr id="30" name="Picture 29">
+            <a:extLst>
+              <a:ext uri="{FF2B5EF4-FFF2-40B4-BE49-F238E27FC236}">
+                <a16:creationId xmlns:a16="http://schemas.microsoft.com/office/drawing/2014/main" id="{A4555E97-163B-4D09-B2BF-ED2D459BFC9B}"/>
               </a:ext>
             </a:extLst>
           </p:cNvPr>
@@ -4856,7 +5289,7 @@
         </p:blipFill>
         <p:spPr>
           <a:xfrm>
-            <a:off x="5349877" y="2857499"/>
+            <a:off x="5389342" y="1257432"/>
             <a:ext cx="380998" cy="380998"/>
           </a:xfrm>
           <a:prstGeom prst="rect">
@@ -4866,10 +5299,10 @@
       </p:pic>
       <p:pic>
         <p:nvPicPr>
-          <p:cNvPr id="49" name="Picture 48">
-            <a:extLst>
-              <a:ext uri="{FF2B5EF4-FFF2-40B4-BE49-F238E27FC236}">
-                <a16:creationId xmlns:a16="http://schemas.microsoft.com/office/drawing/2014/main" id="{98688AC4-F604-4354-94F3-68397C7E6E57}"/>
+          <p:cNvPr id="32" name="Picture 31">
+            <a:extLst>
+              <a:ext uri="{FF2B5EF4-FFF2-40B4-BE49-F238E27FC236}">
+                <a16:creationId xmlns:a16="http://schemas.microsoft.com/office/drawing/2014/main" id="{0C1CC220-5322-41C9-9EF6-F893BF1141C2}"/>
               </a:ext>
             </a:extLst>
           </p:cNvPr>
@@ -4892,7 +5325,7 @@
         </p:blipFill>
         <p:spPr>
           <a:xfrm>
-            <a:off x="5089844" y="3237596"/>
+            <a:off x="5129309" y="1637529"/>
             <a:ext cx="380998" cy="380998"/>
           </a:xfrm>
           <a:prstGeom prst="rect">
@@ -4902,10 +5335,10 @@
       </p:pic>
       <p:pic>
         <p:nvPicPr>
-          <p:cNvPr id="50" name="Picture 49">
-            <a:extLst>
-              <a:ext uri="{FF2B5EF4-FFF2-40B4-BE49-F238E27FC236}">
-                <a16:creationId xmlns:a16="http://schemas.microsoft.com/office/drawing/2014/main" id="{CFA4857E-73BA-4A41-BCBC-7AB180749AEA}"/>
+          <p:cNvPr id="33" name="Picture 32">
+            <a:extLst>
+              <a:ext uri="{FF2B5EF4-FFF2-40B4-BE49-F238E27FC236}">
+                <a16:creationId xmlns:a16="http://schemas.microsoft.com/office/drawing/2014/main" id="{06AAE8B8-F2A5-437A-876A-445AF5831539}"/>
               </a:ext>
             </a:extLst>
           </p:cNvPr>
@@ -4928,7 +5361,7 @@
         </p:blipFill>
         <p:spPr>
           <a:xfrm>
-            <a:off x="5352299" y="3238501"/>
+            <a:off x="5391764" y="1638434"/>
             <a:ext cx="380998" cy="380998"/>
           </a:xfrm>
           <a:prstGeom prst="rect">
@@ -4936,64 +5369,67 @@
           </a:prstGeom>
         </p:spPr>
       </p:pic>
-      <p:pic>
-        <p:nvPicPr>
-          <p:cNvPr id="46" name="Picture 45">
-            <a:extLst>
-              <a:ext uri="{FF2B5EF4-FFF2-40B4-BE49-F238E27FC236}">
-                <a16:creationId xmlns:a16="http://schemas.microsoft.com/office/drawing/2014/main" id="{5A3A604F-8466-4183-A08F-4CEAC24A20DE}"/>
-              </a:ext>
-            </a:extLst>
-          </p:cNvPr>
-          <p:cNvPicPr>
-            <a:picLocks noChangeAspect="1"/>
-          </p:cNvPicPr>
+      <p:sp>
+        <p:nvSpPr>
+          <p:cNvPr id="34" name="TextBox 33">
+            <a:extLst>
+              <a:ext uri="{FF2B5EF4-FFF2-40B4-BE49-F238E27FC236}">
+                <a16:creationId xmlns:a16="http://schemas.microsoft.com/office/drawing/2014/main" id="{2D21AB78-7392-4F4F-B59B-7C268829C205}"/>
+              </a:ext>
+            </a:extLst>
+          </p:cNvPr>
+          <p:cNvSpPr txBox="1"/>
           <p:nvPr/>
-        </p:nvPicPr>
-        <p:blipFill>
-          <a:blip r:embed="rId6">
-            <a:extLst>
-              <a:ext uri="{28A0092B-C50C-407E-A947-70E740481C1C}">
-                <a14:useLocalDpi xmlns:a14="http://schemas.microsoft.com/office/drawing/2010/main" val="0"/>
-              </a:ext>
-            </a:extLst>
-          </a:blip>
-          <a:stretch>
-            <a:fillRect/>
-          </a:stretch>
-        </p:blipFill>
+        </p:nvSpPr>
         <p:spPr>
           <a:xfrm>
-            <a:off x="7964476" y="3036636"/>
-            <a:ext cx="385463" cy="385463"/>
+            <a:off x="5033482" y="2017622"/>
+            <a:ext cx="788999" cy="253916"/>
           </a:xfrm>
           <a:prstGeom prst="rect">
             <a:avLst/>
           </a:prstGeom>
-        </p:spPr>
-      </p:pic>
+          <a:noFill/>
+        </p:spPr>
+        <p:txBody>
+          <a:bodyPr wrap="none" rtlCol="0">
+            <a:spAutoFit/>
+          </a:bodyPr>
+          <a:lstStyle/>
+          <a:p>
+            <a:pPr algn="ctr"/>
+            <a:r>
+              <a:rPr lang="en-US" sz="1050" dirty="0"/>
+              <a:t>API Service</a:t>
+            </a:r>
+          </a:p>
+        </p:txBody>
+      </p:sp>
       <p:cxnSp>
         <p:nvCxnSpPr>
-          <p:cNvPr id="52" name="Straight Arrow Connector 51">
-            <a:extLst>
-              <a:ext uri="{FF2B5EF4-FFF2-40B4-BE49-F238E27FC236}">
-                <a16:creationId xmlns:a16="http://schemas.microsoft.com/office/drawing/2014/main" id="{C1C944E9-7D57-4D91-823B-EB0EA3E4D002}"/>
+          <p:cNvPr id="35" name="Connector: Elbow 34">
+            <a:extLst>
+              <a:ext uri="{FF2B5EF4-FFF2-40B4-BE49-F238E27FC236}">
+                <a16:creationId xmlns:a16="http://schemas.microsoft.com/office/drawing/2014/main" id="{8A49BABC-E226-426E-897D-62C77BD47DBC}"/>
               </a:ext>
             </a:extLst>
           </p:cNvPr>
           <p:cNvCxnSpPr>
             <a:cxnSpLocks/>
-            <a:endCxn id="46" idx="1"/>
+            <a:stCxn id="6" idx="3"/>
+            <a:endCxn id="19" idx="1"/>
           </p:cNvCxnSpPr>
           <p:nvPr/>
         </p:nvCxnSpPr>
         <p:spPr>
           <a:xfrm flipV="1">
-            <a:off x="5730875" y="3229368"/>
-            <a:ext cx="2233601" cy="7323"/>
-          </a:xfrm>
-          <a:prstGeom prst="straightConnector1">
-            <a:avLst/>
+            <a:off x="1454645" y="1826293"/>
+            <a:ext cx="2589666" cy="477766"/>
+          </a:xfrm>
+          <a:prstGeom prst="bentConnector3">
+            <a:avLst>
+              <a:gd name="adj1" fmla="val 50000"/>
+            </a:avLst>
           </a:prstGeom>
           <a:ln>
             <a:headEnd type="triangle"/>
@@ -5017,10 +5453,10 @@
       </p:cxnSp>
       <p:sp>
         <p:nvSpPr>
-          <p:cNvPr id="54" name="TextBox 53">
-            <a:extLst>
-              <a:ext uri="{FF2B5EF4-FFF2-40B4-BE49-F238E27FC236}">
-                <a16:creationId xmlns:a16="http://schemas.microsoft.com/office/drawing/2014/main" id="{4D90E852-C1E5-4471-95BD-74D68FEC9501}"/>
+          <p:cNvPr id="37" name="TextBox 36">
+            <a:extLst>
+              <a:ext uri="{FF2B5EF4-FFF2-40B4-BE49-F238E27FC236}">
+                <a16:creationId xmlns:a16="http://schemas.microsoft.com/office/drawing/2014/main" id="{7D42B660-53CD-4E83-B5BE-C23F55C9002D}"/>
               </a:ext>
             </a:extLst>
           </p:cNvPr>
@@ -5029,8 +5465,8 @@
         </p:nvSpPr>
         <p:spPr>
           <a:xfrm>
-            <a:off x="6362925" y="3257553"/>
-            <a:ext cx="1165705" cy="415498"/>
+            <a:off x="3133825" y="1595565"/>
+            <a:ext cx="468398" cy="253916"/>
           </a:xfrm>
           <a:prstGeom prst="rect">
             <a:avLst/>
@@ -5046,224 +5482,322 @@
             <a:pPr algn="ctr"/>
             <a:r>
               <a:rPr lang="en-US" sz="1050" dirty="0"/>
-              <a:t>Prefix search</a:t>
-            </a:r>
-            <a:br>
-              <a:rPr lang="en-US" sz="1050" dirty="0"/>
-            </a:br>
-            <a:r>
-              <a:rPr lang="en-US" sz="1050" dirty="0"/>
-              <a:t>by Ranking Model</a:t>
-            </a:r>
-          </a:p>
-        </p:txBody>
-      </p:sp>
-      <p:sp>
-        <p:nvSpPr>
-          <p:cNvPr id="55" name="TextBox 54">
-            <a:extLst>
-              <a:ext uri="{FF2B5EF4-FFF2-40B4-BE49-F238E27FC236}">
-                <a16:creationId xmlns:a16="http://schemas.microsoft.com/office/drawing/2014/main" id="{83D5DE27-B2E1-4787-8369-74DC6D679061}"/>
-              </a:ext>
-            </a:extLst>
-          </p:cNvPr>
-          <p:cNvSpPr txBox="1"/>
+              <a:t>HTTP</a:t>
+            </a:r>
+          </a:p>
+        </p:txBody>
+      </p:sp>
+      <p:sp>
+        <p:nvSpPr>
+          <p:cNvPr id="17" name="Rectangle: Rounded Corners 16">
+            <a:extLst>
+              <a:ext uri="{FF2B5EF4-FFF2-40B4-BE49-F238E27FC236}">
+                <a16:creationId xmlns:a16="http://schemas.microsoft.com/office/drawing/2014/main" id="{54F408B5-4F67-4CA8-85BE-7EEFF02A1237}"/>
+              </a:ext>
+            </a:extLst>
+          </p:cNvPr>
+          <p:cNvSpPr/>
           <p:nvPr/>
         </p:nvSpPr>
         <p:spPr>
-          <a:xfrm rot="2324436">
-            <a:off x="4136061" y="2406021"/>
-            <a:ext cx="643125" cy="253916"/>
-          </a:xfrm>
-          <a:prstGeom prst="rect">
+          <a:xfrm>
+            <a:off x="5776958" y="1332051"/>
+            <a:ext cx="1526565" cy="275294"/>
+          </a:xfrm>
+          <a:prstGeom prst="roundRect">
             <a:avLst/>
           </a:prstGeom>
           <a:noFill/>
         </p:spPr>
-        <p:txBody>
-          <a:bodyPr wrap="none" rtlCol="0">
-            <a:spAutoFit/>
-          </a:bodyPr>
-          <a:lstStyle/>
-          <a:p>
-            <a:pPr algn="ctr"/>
-            <a:r>
-              <a:rPr lang="en-US" sz="1050" dirty="0"/>
-              <a:t>Retrieve</a:t>
-            </a:r>
-          </a:p>
-        </p:txBody>
-      </p:sp>
-      <p:sp>
-        <p:nvSpPr>
-          <p:cNvPr id="56" name="TextBox 55">
-            <a:extLst>
-              <a:ext uri="{FF2B5EF4-FFF2-40B4-BE49-F238E27FC236}">
-                <a16:creationId xmlns:a16="http://schemas.microsoft.com/office/drawing/2014/main" id="{9F33184F-DCFB-4E96-957E-1699456EA00D}"/>
-              </a:ext>
-            </a:extLst>
-          </p:cNvPr>
-          <p:cNvSpPr txBox="1"/>
-          <p:nvPr/>
-        </p:nvSpPr>
-        <p:spPr>
-          <a:xfrm>
-            <a:off x="4059747" y="2977305"/>
-            <a:ext cx="439544" cy="253916"/>
-          </a:xfrm>
-          <a:prstGeom prst="rect">
-            <a:avLst/>
-          </a:prstGeom>
-          <a:noFill/>
-        </p:spPr>
-        <p:txBody>
-          <a:bodyPr wrap="none" rtlCol="0">
-            <a:spAutoFit/>
-          </a:bodyPr>
-          <a:lstStyle/>
-          <a:p>
-            <a:pPr algn="ctr"/>
-            <a:r>
-              <a:rPr lang="en-US" sz="1050" dirty="0"/>
-              <a:t>Save</a:t>
-            </a:r>
-          </a:p>
-        </p:txBody>
-      </p:sp>
-    </p:spTree>
-    <p:extLst>
-      <p:ext uri="{BB962C8B-B14F-4D97-AF65-F5344CB8AC3E}">
-        <p14:creationId xmlns:p14="http://schemas.microsoft.com/office/powerpoint/2010/main" val="1851196789"/>
-      </p:ext>
-    </p:extLst>
-  </p:cSld>
-  <p:clrMapOvr>
-    <a:masterClrMapping/>
-  </p:clrMapOvr>
-</p:sld>
-</file>
-
-<file path=ppt/slides/slide4.xml><?xml version="1.0" encoding="utf-8"?>
-<p:sld xmlns:a="http://schemas.openxmlformats.org/drawingml/2006/main" xmlns:r="http://schemas.openxmlformats.org/officeDocument/2006/relationships" xmlns:p="http://schemas.openxmlformats.org/presentationml/2006/main">
-  <p:cSld>
-    <p:spTree>
-      <p:nvGrpSpPr>
-        <p:cNvPr id="1" name=""/>
-        <p:cNvGrpSpPr/>
-        <p:nvPr/>
-      </p:nvGrpSpPr>
-      <p:grpSpPr>
-        <a:xfrm>
-          <a:off x="0" y="0"/>
-          <a:ext cx="0" cy="0"/>
-          <a:chOff x="0" y="0"/>
-          <a:chExt cx="0" cy="0"/>
-        </a:xfrm>
-      </p:grpSpPr>
-      <p:sp>
-        <p:nvSpPr>
-          <p:cNvPr id="5" name="TextBox 4">
-            <a:extLst>
-              <a:ext uri="{FF2B5EF4-FFF2-40B4-BE49-F238E27FC236}">
-                <a16:creationId xmlns:a16="http://schemas.microsoft.com/office/drawing/2014/main" id="{DB8AA6BF-FD21-4A3B-9B8B-0265549D2DD1}"/>
-              </a:ext>
-            </a:extLst>
-          </p:cNvPr>
-          <p:cNvSpPr txBox="1"/>
-          <p:nvPr/>
-        </p:nvSpPr>
-        <p:spPr>
-          <a:xfrm>
-            <a:off x="127221" y="151075"/>
-            <a:ext cx="1686744" cy="400110"/>
-          </a:xfrm>
-          <a:prstGeom prst="rect">
-            <a:avLst/>
-          </a:prstGeom>
-          <a:noFill/>
-        </p:spPr>
-        <p:txBody>
-          <a:bodyPr wrap="none" rtlCol="0">
-            <a:spAutoFit/>
-          </a:bodyPr>
-          <a:lstStyle/>
-          <a:p>
-            <a:r>
-              <a:rPr lang="en-US" sz="2000" dirty="0"/>
-              <a:t>System Design</a:t>
-            </a:r>
-          </a:p>
-        </p:txBody>
-      </p:sp>
-      <p:cxnSp>
-        <p:nvCxnSpPr>
-          <p:cNvPr id="7" name="Straight Connector 6">
-            <a:extLst>
-              <a:ext uri="{FF2B5EF4-FFF2-40B4-BE49-F238E27FC236}">
-                <a16:creationId xmlns:a16="http://schemas.microsoft.com/office/drawing/2014/main" id="{30480E4C-5ABA-4A65-BF11-FD3A49EBDC63}"/>
-              </a:ext>
-            </a:extLst>
-          </p:cNvPr>
-          <p:cNvCxnSpPr/>
-          <p:nvPr/>
-        </p:nvCxnSpPr>
-        <p:spPr>
-          <a:xfrm>
-            <a:off x="227805" y="597700"/>
-            <a:ext cx="11600953" cy="0"/>
-          </a:xfrm>
-          <a:prstGeom prst="line">
-            <a:avLst/>
-          </a:prstGeom>
-          <a:ln w="19050">
-            <a:solidFill>
-              <a:schemeClr val="accent1">
-                <a:lumMod val="75000"/>
-              </a:schemeClr>
-            </a:solidFill>
-          </a:ln>
-        </p:spPr>
         <p:style>
-          <a:lnRef idx="1">
-            <a:schemeClr val="accent1"/>
+          <a:lnRef idx="2">
+            <a:schemeClr val="accent1">
+              <a:shade val="50000"/>
+            </a:schemeClr>
           </a:lnRef>
-          <a:fillRef idx="0">
+          <a:fillRef idx="1">
             <a:schemeClr val="accent1"/>
           </a:fillRef>
           <a:effectRef idx="0">
             <a:schemeClr val="accent1"/>
           </a:effectRef>
           <a:fontRef idx="minor">
-            <a:schemeClr val="tx1"/>
+            <a:schemeClr val="lt1"/>
           </a:fontRef>
         </p:style>
-      </p:cxnSp>
+        <p:txBody>
+          <a:bodyPr rtlCol="0" anchor="ctr"/>
+          <a:lstStyle/>
+          <a:p>
+            <a:pPr algn="ctr"/>
+            <a:r>
+              <a:rPr lang="en-US" sz="1050" dirty="0">
+                <a:solidFill>
+                  <a:schemeClr val="tx1"/>
+                </a:solidFill>
+              </a:rPr>
+              <a:t>Managing Users</a:t>
+            </a:r>
+          </a:p>
+        </p:txBody>
+      </p:sp>
+      <p:sp>
+        <p:nvSpPr>
+          <p:cNvPr id="39" name="Rectangle: Rounded Corners 38">
+            <a:extLst>
+              <a:ext uri="{FF2B5EF4-FFF2-40B4-BE49-F238E27FC236}">
+                <a16:creationId xmlns:a16="http://schemas.microsoft.com/office/drawing/2014/main" id="{6BD63B7A-0063-491E-9EBD-D999648E6E85}"/>
+              </a:ext>
+            </a:extLst>
+          </p:cNvPr>
+          <p:cNvSpPr/>
+          <p:nvPr/>
+        </p:nvSpPr>
+        <p:spPr>
+          <a:xfrm>
+            <a:off x="5767918" y="1674836"/>
+            <a:ext cx="1535605" cy="275294"/>
+          </a:xfrm>
+          <a:prstGeom prst="roundRect">
+            <a:avLst/>
+          </a:prstGeom>
+          <a:noFill/>
+        </p:spPr>
+        <p:style>
+          <a:lnRef idx="2">
+            <a:schemeClr val="accent1">
+              <a:shade val="50000"/>
+            </a:schemeClr>
+          </a:lnRef>
+          <a:fillRef idx="1">
+            <a:schemeClr val="accent1"/>
+          </a:fillRef>
+          <a:effectRef idx="0">
+            <a:schemeClr val="accent1"/>
+          </a:effectRef>
+          <a:fontRef idx="minor">
+            <a:schemeClr val="lt1"/>
+          </a:fontRef>
+        </p:style>
+        <p:txBody>
+          <a:bodyPr rtlCol="0" anchor="ctr"/>
+          <a:lstStyle/>
+          <a:p>
+            <a:pPr algn="ctr"/>
+            <a:r>
+              <a:rPr lang="en-US" sz="1050" dirty="0">
+                <a:solidFill>
+                  <a:schemeClr val="tx1"/>
+                </a:solidFill>
+              </a:rPr>
+              <a:t>Chat server matching</a:t>
+            </a:r>
+          </a:p>
+        </p:txBody>
+      </p:sp>
+      <p:sp>
+        <p:nvSpPr>
+          <p:cNvPr id="40" name="Rectangle: Rounded Corners 39">
+            <a:extLst>
+              <a:ext uri="{FF2B5EF4-FFF2-40B4-BE49-F238E27FC236}">
+                <a16:creationId xmlns:a16="http://schemas.microsoft.com/office/drawing/2014/main" id="{8723FDED-B55F-42AA-9AC5-64775FA14F91}"/>
+              </a:ext>
+            </a:extLst>
+          </p:cNvPr>
+          <p:cNvSpPr/>
+          <p:nvPr/>
+        </p:nvSpPr>
+        <p:spPr>
+          <a:xfrm>
+            <a:off x="7340429" y="1667475"/>
+            <a:ext cx="1535606" cy="275294"/>
+          </a:xfrm>
+          <a:prstGeom prst="roundRect">
+            <a:avLst/>
+          </a:prstGeom>
+          <a:noFill/>
+        </p:spPr>
+        <p:style>
+          <a:lnRef idx="2">
+            <a:schemeClr val="accent1">
+              <a:shade val="50000"/>
+            </a:schemeClr>
+          </a:lnRef>
+          <a:fillRef idx="1">
+            <a:schemeClr val="accent1"/>
+          </a:fillRef>
+          <a:effectRef idx="0">
+            <a:schemeClr val="accent1"/>
+          </a:effectRef>
+          <a:fontRef idx="minor">
+            <a:schemeClr val="lt1"/>
+          </a:fontRef>
+        </p:style>
+        <p:txBody>
+          <a:bodyPr rtlCol="0" anchor="ctr"/>
+          <a:lstStyle/>
+          <a:p>
+            <a:pPr algn="ctr"/>
+            <a:r>
+              <a:rPr lang="en-US" sz="1050" dirty="0">
+                <a:solidFill>
+                  <a:schemeClr val="tx1"/>
+                </a:solidFill>
+              </a:rPr>
+              <a:t>Authentication service</a:t>
+            </a:r>
+          </a:p>
+        </p:txBody>
+      </p:sp>
+      <p:sp>
+        <p:nvSpPr>
+          <p:cNvPr id="41" name="Rectangle: Rounded Corners 40">
+            <a:extLst>
+              <a:ext uri="{FF2B5EF4-FFF2-40B4-BE49-F238E27FC236}">
+                <a16:creationId xmlns:a16="http://schemas.microsoft.com/office/drawing/2014/main" id="{694B8322-E06D-4EDE-BADA-CA34CC5E0F57}"/>
+              </a:ext>
+            </a:extLst>
+          </p:cNvPr>
+          <p:cNvSpPr/>
+          <p:nvPr/>
+        </p:nvSpPr>
+        <p:spPr>
+          <a:xfrm>
+            <a:off x="7349469" y="1332051"/>
+            <a:ext cx="1526566" cy="275294"/>
+          </a:xfrm>
+          <a:prstGeom prst="roundRect">
+            <a:avLst/>
+          </a:prstGeom>
+          <a:noFill/>
+        </p:spPr>
+        <p:style>
+          <a:lnRef idx="2">
+            <a:schemeClr val="accent1">
+              <a:shade val="50000"/>
+            </a:schemeClr>
+          </a:lnRef>
+          <a:fillRef idx="1">
+            <a:schemeClr val="accent1"/>
+          </a:fillRef>
+          <a:effectRef idx="0">
+            <a:schemeClr val="accent1"/>
+          </a:effectRef>
+          <a:fontRef idx="minor">
+            <a:schemeClr val="lt1"/>
+          </a:fontRef>
+        </p:style>
+        <p:txBody>
+          <a:bodyPr rtlCol="0" anchor="ctr"/>
+          <a:lstStyle/>
+          <a:p>
+            <a:pPr algn="ctr"/>
+            <a:r>
+              <a:rPr lang="en-US" sz="1050" dirty="0">
+                <a:solidFill>
+                  <a:schemeClr val="tx1"/>
+                </a:solidFill>
+              </a:rPr>
+              <a:t>Managing Groups</a:t>
+            </a:r>
+          </a:p>
+        </p:txBody>
+      </p:sp>
+      <p:pic>
+        <p:nvPicPr>
+          <p:cNvPr id="19" name="Picture 18">
+            <a:extLst>
+              <a:ext uri="{FF2B5EF4-FFF2-40B4-BE49-F238E27FC236}">
+                <a16:creationId xmlns:a16="http://schemas.microsoft.com/office/drawing/2014/main" id="{04F41060-B414-40F7-BEC9-D1611E7E355B}"/>
+              </a:ext>
+            </a:extLst>
+          </p:cNvPr>
+          <p:cNvPicPr>
+            <a:picLocks noChangeAspect="1"/>
+          </p:cNvPicPr>
+          <p:nvPr/>
+        </p:nvPicPr>
+        <p:blipFill>
+          <a:blip r:embed="rId7">
+            <a:extLst>
+              <a:ext uri="{28A0092B-C50C-407E-A947-70E740481C1C}">
+                <a14:useLocalDpi xmlns:a14="http://schemas.microsoft.com/office/drawing/2010/main" val="0"/>
+              </a:ext>
+            </a:extLst>
+          </a:blip>
+          <a:stretch>
+            <a:fillRect/>
+          </a:stretch>
+        </p:blipFill>
+        <p:spPr>
+          <a:xfrm>
+            <a:off x="4044311" y="1587409"/>
+            <a:ext cx="477767" cy="477767"/>
+          </a:xfrm>
+          <a:prstGeom prst="rect">
+            <a:avLst/>
+          </a:prstGeom>
+        </p:spPr>
+      </p:pic>
+      <p:sp>
+        <p:nvSpPr>
+          <p:cNvPr id="51" name="TextBox 50">
+            <a:extLst>
+              <a:ext uri="{FF2B5EF4-FFF2-40B4-BE49-F238E27FC236}">
+                <a16:creationId xmlns:a16="http://schemas.microsoft.com/office/drawing/2014/main" id="{B635E863-041A-4C2E-8ADA-526D911D3A25}"/>
+              </a:ext>
+            </a:extLst>
+          </p:cNvPr>
+          <p:cNvSpPr txBox="1"/>
+          <p:nvPr/>
+        </p:nvSpPr>
+        <p:spPr>
+          <a:xfrm>
+            <a:off x="4125939" y="2050143"/>
+            <a:ext cx="314510" cy="253916"/>
+          </a:xfrm>
+          <a:prstGeom prst="rect">
+            <a:avLst/>
+          </a:prstGeom>
+          <a:noFill/>
+        </p:spPr>
+        <p:txBody>
+          <a:bodyPr wrap="none" rtlCol="0">
+            <a:spAutoFit/>
+          </a:bodyPr>
+          <a:lstStyle/>
+          <a:p>
+            <a:pPr algn="ctr"/>
+            <a:r>
+              <a:rPr lang="en-US" sz="1050" dirty="0"/>
+              <a:t>LB</a:t>
+            </a:r>
+          </a:p>
+        </p:txBody>
+      </p:sp>
       <p:cxnSp>
         <p:nvCxnSpPr>
-          <p:cNvPr id="26" name="Straight Arrow Connector 25">
-            <a:extLst>
-              <a:ext uri="{FF2B5EF4-FFF2-40B4-BE49-F238E27FC236}">
-                <a16:creationId xmlns:a16="http://schemas.microsoft.com/office/drawing/2014/main" id="{76DB3B7F-BDF2-4DA5-B7CD-A8954B1A286F}"/>
+          <p:cNvPr id="24" name="Straight Connector 23">
+            <a:extLst>
+              <a:ext uri="{FF2B5EF4-FFF2-40B4-BE49-F238E27FC236}">
+                <a16:creationId xmlns:a16="http://schemas.microsoft.com/office/drawing/2014/main" id="{D01AC43A-4BD7-4F39-89DA-A0C05A6C3F4C}"/>
               </a:ext>
             </a:extLst>
           </p:cNvPr>
           <p:cNvCxnSpPr>
-            <a:cxnSpLocks/>
+            <a:stCxn id="19" idx="3"/>
+            <a:endCxn id="32" idx="1"/>
           </p:cNvCxnSpPr>
           <p:nvPr/>
         </p:nvCxnSpPr>
         <p:spPr>
-          <a:xfrm flipV="1">
-            <a:off x="3632697" y="2256237"/>
-            <a:ext cx="1470841" cy="8224"/>
-          </a:xfrm>
-          <a:prstGeom prst="straightConnector1">
+          <a:xfrm>
+            <a:off x="4522078" y="1826293"/>
+            <a:ext cx="607231" cy="1735"/>
+          </a:xfrm>
+          <a:prstGeom prst="line">
             <a:avLst/>
           </a:prstGeom>
-          <a:ln>
-            <a:headEnd type="triangle"/>
-            <a:tailEnd type="triangle"/>
-          </a:ln>
         </p:spPr>
         <p:style>
           <a:lnRef idx="1">
@@ -5282,262 +5816,10 @@
       </p:cxnSp>
       <p:pic>
         <p:nvPicPr>
-          <p:cNvPr id="46" name="Picture 45">
-            <a:extLst>
-              <a:ext uri="{FF2B5EF4-FFF2-40B4-BE49-F238E27FC236}">
-                <a16:creationId xmlns:a16="http://schemas.microsoft.com/office/drawing/2014/main" id="{5A3A604F-8466-4183-A08F-4CEAC24A20DE}"/>
-              </a:ext>
-            </a:extLst>
-          </p:cNvPr>
-          <p:cNvPicPr>
-            <a:picLocks noChangeAspect="1"/>
-          </p:cNvPicPr>
-          <p:nvPr/>
-        </p:nvPicPr>
-        <p:blipFill>
-          <a:blip r:embed="rId3">
-            <a:extLst>
-              <a:ext uri="{28A0092B-C50C-407E-A947-70E740481C1C}">
-                <a14:useLocalDpi xmlns:a14="http://schemas.microsoft.com/office/drawing/2010/main" val="0"/>
-              </a:ext>
-            </a:extLst>
-          </a:blip>
-          <a:stretch>
-            <a:fillRect/>
-          </a:stretch>
-        </p:blipFill>
-        <p:spPr>
-          <a:xfrm>
-            <a:off x="5891480" y="1752507"/>
-            <a:ext cx="225616" cy="225616"/>
-          </a:xfrm>
-          <a:prstGeom prst="rect">
-            <a:avLst/>
-          </a:prstGeom>
-        </p:spPr>
-      </p:pic>
-      <p:sp>
-        <p:nvSpPr>
-          <p:cNvPr id="55" name="TextBox 54">
-            <a:extLst>
-              <a:ext uri="{FF2B5EF4-FFF2-40B4-BE49-F238E27FC236}">
-                <a16:creationId xmlns:a16="http://schemas.microsoft.com/office/drawing/2014/main" id="{83D5DE27-B2E1-4787-8369-74DC6D679061}"/>
-              </a:ext>
-            </a:extLst>
-          </p:cNvPr>
-          <p:cNvSpPr txBox="1"/>
-          <p:nvPr/>
-        </p:nvSpPr>
-        <p:spPr>
-          <a:xfrm>
-            <a:off x="3970971" y="1979456"/>
-            <a:ext cx="643125" cy="253916"/>
-          </a:xfrm>
-          <a:prstGeom prst="rect">
-            <a:avLst/>
-          </a:prstGeom>
-          <a:noFill/>
-        </p:spPr>
-        <p:txBody>
-          <a:bodyPr wrap="none" rtlCol="0">
-            <a:spAutoFit/>
-          </a:bodyPr>
-          <a:lstStyle/>
-          <a:p>
-            <a:pPr algn="ctr"/>
-            <a:r>
-              <a:rPr lang="en-US" sz="1050" dirty="0"/>
-              <a:t>Retrieve</a:t>
-            </a:r>
-          </a:p>
-        </p:txBody>
-      </p:sp>
-      <p:sp>
-        <p:nvSpPr>
-          <p:cNvPr id="21" name="TextBox 20">
-            <a:extLst>
-              <a:ext uri="{FF2B5EF4-FFF2-40B4-BE49-F238E27FC236}">
-                <a16:creationId xmlns:a16="http://schemas.microsoft.com/office/drawing/2014/main" id="{A56E432D-9B14-4FA5-83D2-33676A02DB7A}"/>
-              </a:ext>
-            </a:extLst>
-          </p:cNvPr>
-          <p:cNvSpPr txBox="1"/>
-          <p:nvPr/>
-        </p:nvSpPr>
-        <p:spPr>
-          <a:xfrm>
-            <a:off x="5936456" y="1928686"/>
-            <a:ext cx="873957" cy="253916"/>
-          </a:xfrm>
-          <a:prstGeom prst="rect">
-            <a:avLst/>
-          </a:prstGeom>
-          <a:noFill/>
-        </p:spPr>
-        <p:txBody>
-          <a:bodyPr wrap="none" rtlCol="0">
-            <a:spAutoFit/>
-          </a:bodyPr>
-          <a:lstStyle/>
-          <a:p>
-            <a:pPr algn="ctr"/>
-            <a:r>
-              <a:rPr lang="en-US" sz="1050" dirty="0"/>
-              <a:t>Cached Data</a:t>
-            </a:r>
-          </a:p>
-        </p:txBody>
-      </p:sp>
-      <p:pic>
-        <p:nvPicPr>
-          <p:cNvPr id="34" name="Picture 33">
-            <a:extLst>
-              <a:ext uri="{FF2B5EF4-FFF2-40B4-BE49-F238E27FC236}">
-                <a16:creationId xmlns:a16="http://schemas.microsoft.com/office/drawing/2014/main" id="{B0A14F89-160B-45A2-8608-9D5D497044C1}"/>
-              </a:ext>
-            </a:extLst>
-          </p:cNvPr>
-          <p:cNvPicPr>
-            <a:picLocks noChangeAspect="1"/>
-          </p:cNvPicPr>
-          <p:nvPr/>
-        </p:nvPicPr>
-        <p:blipFill>
-          <a:blip r:embed="rId4">
-            <a:extLst>
-              <a:ext uri="{28A0092B-C50C-407E-A947-70E740481C1C}">
-                <a14:useLocalDpi xmlns:a14="http://schemas.microsoft.com/office/drawing/2010/main" val="0"/>
-              </a:ext>
-            </a:extLst>
-          </a:blip>
-          <a:stretch>
-            <a:fillRect/>
-          </a:stretch>
-        </p:blipFill>
-        <p:spPr>
-          <a:xfrm>
-            <a:off x="6950145" y="829707"/>
-            <a:ext cx="540877" cy="540877"/>
-          </a:xfrm>
-          <a:prstGeom prst="rect">
-            <a:avLst/>
-          </a:prstGeom>
-        </p:spPr>
-      </p:pic>
-      <p:sp>
-        <p:nvSpPr>
-          <p:cNvPr id="36" name="TextBox 35">
-            <a:extLst>
-              <a:ext uri="{FF2B5EF4-FFF2-40B4-BE49-F238E27FC236}">
-                <a16:creationId xmlns:a16="http://schemas.microsoft.com/office/drawing/2014/main" id="{3B88DDE7-D799-4F06-9284-2248B589F98C}"/>
-              </a:ext>
-            </a:extLst>
-          </p:cNvPr>
-          <p:cNvSpPr txBox="1"/>
-          <p:nvPr/>
-        </p:nvSpPr>
-        <p:spPr>
-          <a:xfrm>
-            <a:off x="6876751" y="1928686"/>
-            <a:ext cx="873957" cy="253916"/>
-          </a:xfrm>
-          <a:prstGeom prst="rect">
-            <a:avLst/>
-          </a:prstGeom>
-          <a:noFill/>
-        </p:spPr>
-        <p:txBody>
-          <a:bodyPr wrap="none" rtlCol="0">
-            <a:spAutoFit/>
-          </a:bodyPr>
-          <a:lstStyle/>
-          <a:p>
-            <a:pPr algn="ctr"/>
-            <a:r>
-              <a:rPr lang="en-US" sz="1050" dirty="0"/>
-              <a:t>Cached Data</a:t>
-            </a:r>
-          </a:p>
-        </p:txBody>
-      </p:sp>
-      <p:sp>
-        <p:nvSpPr>
-          <p:cNvPr id="38" name="TextBox 37">
-            <a:extLst>
-              <a:ext uri="{FF2B5EF4-FFF2-40B4-BE49-F238E27FC236}">
-                <a16:creationId xmlns:a16="http://schemas.microsoft.com/office/drawing/2014/main" id="{C9E46134-AE83-4622-9C45-543E94045CB9}"/>
-              </a:ext>
-            </a:extLst>
-          </p:cNvPr>
-          <p:cNvSpPr txBox="1"/>
-          <p:nvPr/>
-        </p:nvSpPr>
-        <p:spPr>
-          <a:xfrm>
-            <a:off x="7798414" y="1928686"/>
-            <a:ext cx="873957" cy="253916"/>
-          </a:xfrm>
-          <a:prstGeom prst="rect">
-            <a:avLst/>
-          </a:prstGeom>
-          <a:noFill/>
-        </p:spPr>
-        <p:txBody>
-          <a:bodyPr wrap="none" rtlCol="0">
-            <a:spAutoFit/>
-          </a:bodyPr>
-          <a:lstStyle/>
-          <a:p>
-            <a:pPr algn="ctr"/>
-            <a:r>
-              <a:rPr lang="en-US" sz="1050" dirty="0"/>
-              <a:t>Cached Data</a:t>
-            </a:r>
-          </a:p>
-        </p:txBody>
-      </p:sp>
-      <p:sp>
-        <p:nvSpPr>
-          <p:cNvPr id="39" name="TextBox 38">
-            <a:extLst>
-              <a:ext uri="{FF2B5EF4-FFF2-40B4-BE49-F238E27FC236}">
-                <a16:creationId xmlns:a16="http://schemas.microsoft.com/office/drawing/2014/main" id="{637C2D89-B1E4-4DAF-8C4A-ECB8FEBF393B}"/>
-              </a:ext>
-            </a:extLst>
-          </p:cNvPr>
-          <p:cNvSpPr txBox="1"/>
-          <p:nvPr/>
-        </p:nvSpPr>
-        <p:spPr>
-          <a:xfrm>
-            <a:off x="7071511" y="624073"/>
-            <a:ext cx="373820" cy="253916"/>
-          </a:xfrm>
-          <a:prstGeom prst="rect">
-            <a:avLst/>
-          </a:prstGeom>
-          <a:noFill/>
-        </p:spPr>
-        <p:txBody>
-          <a:bodyPr wrap="none" rtlCol="0">
-            <a:spAutoFit/>
-          </a:bodyPr>
-          <a:lstStyle/>
-          <a:p>
-            <a:pPr algn="ctr"/>
-            <a:r>
-              <a:rPr lang="en-US" sz="1050" dirty="0"/>
-              <a:t>IDC</a:t>
-            </a:r>
-          </a:p>
-        </p:txBody>
-      </p:sp>
-      <p:pic>
-        <p:nvPicPr>
-          <p:cNvPr id="1026" name="Picture 2" descr="https://blog.kakaocdn.net/dn/pYAoN/btqPZJ9d7rl/YGhdbBzRXzLdY1ytJmsvJK/img.png">
-            <a:extLst>
-              <a:ext uri="{FF2B5EF4-FFF2-40B4-BE49-F238E27FC236}">
-                <a16:creationId xmlns:a16="http://schemas.microsoft.com/office/drawing/2014/main" id="{0EDA1984-83BC-4CAE-9E69-ADE3960694DB}"/>
+          <p:cNvPr id="1026" name="Picture 2" descr="Apache ZooKeeper logo.svg">
+            <a:extLst>
+              <a:ext uri="{FF2B5EF4-FFF2-40B4-BE49-F238E27FC236}">
+                <a16:creationId xmlns:a16="http://schemas.microsoft.com/office/drawing/2014/main" id="{54CF10F0-874B-4D93-B149-E7DE2A8519F0}"/>
               </a:ext>
             </a:extLst>
           </p:cNvPr>
@@ -5547,7 +5829,7 @@
           <p:nvPr/>
         </p:nvPicPr>
         <p:blipFill>
-          <a:blip r:embed="rId5">
+          <a:blip r:embed="rId8">
             <a:extLst>
               <a:ext uri="{28A0092B-C50C-407E-A947-70E740481C1C}">
                 <a14:useLocalDpi xmlns:a14="http://schemas.microsoft.com/office/drawing/2010/main" val="0"/>
@@ -5561,8 +5843,8 @@
         </p:blipFill>
         <p:spPr bwMode="auto">
           <a:xfrm>
-            <a:off x="8064056" y="2425870"/>
-            <a:ext cx="1264699" cy="1203394"/>
+            <a:off x="4768212" y="2896066"/>
+            <a:ext cx="1165705" cy="630540"/>
           </a:xfrm>
           <a:prstGeom prst="rect">
             <a:avLst/>
@@ -5579,495 +5861,31 @@
           </a:extLst>
         </p:spPr>
       </p:pic>
-      <p:pic>
-        <p:nvPicPr>
-          <p:cNvPr id="40" name="Picture 2" descr="https://blog.kakaocdn.net/dn/pYAoN/btqPZJ9d7rl/YGhdbBzRXzLdY1ytJmsvJK/img.png">
-            <a:extLst>
-              <a:ext uri="{FF2B5EF4-FFF2-40B4-BE49-F238E27FC236}">
-                <a16:creationId xmlns:a16="http://schemas.microsoft.com/office/drawing/2014/main" id="{2C560C64-9E30-4807-82B2-F1CA190DFD00}"/>
-              </a:ext>
-            </a:extLst>
-          </p:cNvPr>
-          <p:cNvPicPr>
-            <a:picLocks noChangeAspect="1" noChangeArrowheads="1"/>
-          </p:cNvPicPr>
-          <p:nvPr/>
-        </p:nvPicPr>
-        <p:blipFill>
-          <a:blip r:embed="rId5">
-            <a:extLst>
-              <a:ext uri="{28A0092B-C50C-407E-A947-70E740481C1C}">
-                <a14:useLocalDpi xmlns:a14="http://schemas.microsoft.com/office/drawing/2010/main" val="0"/>
-              </a:ext>
-            </a:extLst>
-          </a:blip>
-          <a:srcRect/>
-          <a:stretch>
-            <a:fillRect/>
-          </a:stretch>
-        </p:blipFill>
-        <p:spPr bwMode="auto">
-          <a:xfrm>
-            <a:off x="6846956" y="2430924"/>
-            <a:ext cx="1264699" cy="1203394"/>
-          </a:xfrm>
-          <a:prstGeom prst="rect">
-            <a:avLst/>
-          </a:prstGeom>
-          <a:noFill/>
-          <a:extLst>
-            <a:ext uri="{909E8E84-426E-40DD-AFC4-6F175D3DCCD1}">
-              <a14:hiddenFill xmlns:a14="http://schemas.microsoft.com/office/drawing/2010/main">
-                <a:solidFill>
-                  <a:srgbClr val="FFFFFF"/>
-                </a:solidFill>
-              </a14:hiddenFill>
-            </a:ext>
-          </a:extLst>
-        </p:spPr>
-      </p:pic>
-      <p:pic>
-        <p:nvPicPr>
-          <p:cNvPr id="41" name="Picture 2" descr="https://blog.kakaocdn.net/dn/pYAoN/btqPZJ9d7rl/YGhdbBzRXzLdY1ytJmsvJK/img.png">
-            <a:extLst>
-              <a:ext uri="{FF2B5EF4-FFF2-40B4-BE49-F238E27FC236}">
-                <a16:creationId xmlns:a16="http://schemas.microsoft.com/office/drawing/2014/main" id="{76AFFDA9-6FCC-4B6F-A7A9-0A892C7716E2}"/>
-              </a:ext>
-            </a:extLst>
-          </p:cNvPr>
-          <p:cNvPicPr>
-            <a:picLocks noChangeAspect="1" noChangeArrowheads="1"/>
-          </p:cNvPicPr>
-          <p:nvPr/>
-        </p:nvPicPr>
-        <p:blipFill>
-          <a:blip r:embed="rId5">
-            <a:extLst>
-              <a:ext uri="{28A0092B-C50C-407E-A947-70E740481C1C}">
-                <a14:useLocalDpi xmlns:a14="http://schemas.microsoft.com/office/drawing/2010/main" val="0"/>
-              </a:ext>
-            </a:extLst>
-          </a:blip>
-          <a:srcRect/>
-          <a:stretch>
-            <a:fillRect/>
-          </a:stretch>
-        </p:blipFill>
-        <p:spPr bwMode="auto">
-          <a:xfrm>
-            <a:off x="5684180" y="2370085"/>
-            <a:ext cx="1264699" cy="1203394"/>
-          </a:xfrm>
-          <a:prstGeom prst="rect">
-            <a:avLst/>
-          </a:prstGeom>
-          <a:noFill/>
-          <a:extLst>
-            <a:ext uri="{909E8E84-426E-40DD-AFC4-6F175D3DCCD1}">
-              <a14:hiddenFill xmlns:a14="http://schemas.microsoft.com/office/drawing/2010/main">
-                <a:solidFill>
-                  <a:srgbClr val="FFFFFF"/>
-                </a:solidFill>
-              </a14:hiddenFill>
-            </a:ext>
-          </a:extLst>
-        </p:spPr>
-      </p:pic>
-      <p:pic>
-        <p:nvPicPr>
-          <p:cNvPr id="42" name="Picture 41">
-            <a:extLst>
-              <a:ext uri="{FF2B5EF4-FFF2-40B4-BE49-F238E27FC236}">
-                <a16:creationId xmlns:a16="http://schemas.microsoft.com/office/drawing/2014/main" id="{497F972E-0E2A-4CA0-8F1B-DEDF1A37F444}"/>
-              </a:ext>
-            </a:extLst>
-          </p:cNvPr>
-          <p:cNvPicPr>
-            <a:picLocks noChangeAspect="1"/>
-          </p:cNvPicPr>
-          <p:nvPr/>
-        </p:nvPicPr>
-        <p:blipFill>
-          <a:blip r:embed="rId6">
-            <a:extLst>
-              <a:ext uri="{28A0092B-C50C-407E-A947-70E740481C1C}">
-                <a14:useLocalDpi xmlns:a14="http://schemas.microsoft.com/office/drawing/2010/main" val="0"/>
-              </a:ext>
-            </a:extLst>
-          </a:blip>
-          <a:stretch>
-            <a:fillRect/>
-          </a:stretch>
-        </p:blipFill>
-        <p:spPr>
-          <a:xfrm>
-            <a:off x="8053644" y="4493266"/>
-            <a:ext cx="380998" cy="380998"/>
-          </a:xfrm>
-          <a:prstGeom prst="rect">
-            <a:avLst/>
-          </a:prstGeom>
-        </p:spPr>
-      </p:pic>
-      <p:sp>
-        <p:nvSpPr>
-          <p:cNvPr id="53" name="TextBox 52">
-            <a:extLst>
-              <a:ext uri="{FF2B5EF4-FFF2-40B4-BE49-F238E27FC236}">
-                <a16:creationId xmlns:a16="http://schemas.microsoft.com/office/drawing/2014/main" id="{AEA937A5-F0C1-43A8-A951-90A799D0C15C}"/>
-              </a:ext>
-            </a:extLst>
-          </p:cNvPr>
-          <p:cNvSpPr txBox="1"/>
-          <p:nvPr/>
-        </p:nvSpPr>
-        <p:spPr>
-          <a:xfrm>
-            <a:off x="7693539" y="4927329"/>
-            <a:ext cx="987770" cy="415498"/>
-          </a:xfrm>
-          <a:prstGeom prst="rect">
-            <a:avLst/>
-          </a:prstGeom>
-          <a:noFill/>
-        </p:spPr>
-        <p:txBody>
-          <a:bodyPr wrap="none" rtlCol="0">
-            <a:spAutoFit/>
-          </a:bodyPr>
-          <a:lstStyle/>
-          <a:p>
-            <a:pPr algn="ctr"/>
-            <a:r>
-              <a:rPr lang="en-US" sz="1050" dirty="0" err="1"/>
-              <a:t>Trie</a:t>
-            </a:r>
-            <a:r>
-              <a:rPr lang="en-US" sz="1050" dirty="0"/>
-              <a:t> Generator</a:t>
-            </a:r>
-          </a:p>
-          <a:p>
-            <a:pPr algn="ctr"/>
-            <a:r>
-              <a:rPr lang="en-US" sz="1050" dirty="0"/>
-              <a:t>(Batch Job)</a:t>
-            </a:r>
-          </a:p>
-        </p:txBody>
-      </p:sp>
-      <p:pic>
-        <p:nvPicPr>
-          <p:cNvPr id="57" name="Picture 56">
-            <a:extLst>
-              <a:ext uri="{FF2B5EF4-FFF2-40B4-BE49-F238E27FC236}">
-                <a16:creationId xmlns:a16="http://schemas.microsoft.com/office/drawing/2014/main" id="{FBFAFC54-5E26-4FF6-B3C9-9EE9B74CBF0E}"/>
-              </a:ext>
-            </a:extLst>
-          </p:cNvPr>
-          <p:cNvPicPr>
-            <a:picLocks noChangeAspect="1"/>
-          </p:cNvPicPr>
-          <p:nvPr/>
-        </p:nvPicPr>
-        <p:blipFill>
-          <a:blip r:embed="rId7">
-            <a:extLst>
-              <a:ext uri="{28A0092B-C50C-407E-A947-70E740481C1C}">
-                <a14:useLocalDpi xmlns:a14="http://schemas.microsoft.com/office/drawing/2010/main" val="0"/>
-              </a:ext>
-            </a:extLst>
-          </a:blip>
-          <a:stretch>
-            <a:fillRect/>
-          </a:stretch>
-        </p:blipFill>
-        <p:spPr>
-          <a:xfrm>
-            <a:off x="3222557" y="2095867"/>
-            <a:ext cx="345604" cy="345604"/>
-          </a:xfrm>
-          <a:prstGeom prst="rect">
-            <a:avLst/>
-          </a:prstGeom>
-        </p:spPr>
-      </p:pic>
-      <p:pic>
-        <p:nvPicPr>
-          <p:cNvPr id="58" name="Picture 57">
-            <a:extLst>
-              <a:ext uri="{FF2B5EF4-FFF2-40B4-BE49-F238E27FC236}">
-                <a16:creationId xmlns:a16="http://schemas.microsoft.com/office/drawing/2014/main" id="{F567948C-CBF3-4442-97D7-C973B0D9681B}"/>
-              </a:ext>
-            </a:extLst>
-          </p:cNvPr>
-          <p:cNvPicPr>
-            <a:picLocks noChangeAspect="1"/>
-          </p:cNvPicPr>
-          <p:nvPr/>
-        </p:nvPicPr>
-        <p:blipFill>
-          <a:blip r:embed="rId8">
-            <a:extLst>
-              <a:ext uri="{28A0092B-C50C-407E-A947-70E740481C1C}">
-                <a14:useLocalDpi xmlns:a14="http://schemas.microsoft.com/office/drawing/2010/main" val="0"/>
-              </a:ext>
-            </a:extLst>
-          </a:blip>
-          <a:stretch>
-            <a:fillRect/>
-          </a:stretch>
-        </p:blipFill>
-        <p:spPr>
-          <a:xfrm>
-            <a:off x="2862651" y="2106414"/>
-            <a:ext cx="324510" cy="324510"/>
-          </a:xfrm>
-          <a:prstGeom prst="rect">
-            <a:avLst/>
-          </a:prstGeom>
-        </p:spPr>
-      </p:pic>
-      <p:pic>
-        <p:nvPicPr>
-          <p:cNvPr id="59" name="Picture 58">
-            <a:extLst>
-              <a:ext uri="{FF2B5EF4-FFF2-40B4-BE49-F238E27FC236}">
-                <a16:creationId xmlns:a16="http://schemas.microsoft.com/office/drawing/2014/main" id="{B5604922-DCAC-4566-BD1D-E27559B2D651}"/>
-              </a:ext>
-            </a:extLst>
-          </p:cNvPr>
-          <p:cNvPicPr>
-            <a:picLocks noChangeAspect="1"/>
-          </p:cNvPicPr>
-          <p:nvPr/>
-        </p:nvPicPr>
-        <p:blipFill>
-          <a:blip r:embed="rId9">
-            <a:extLst>
-              <a:ext uri="{28A0092B-C50C-407E-A947-70E740481C1C}">
-                <a14:useLocalDpi xmlns:a14="http://schemas.microsoft.com/office/drawing/2010/main" val="0"/>
-              </a:ext>
-            </a:extLst>
-          </a:blip>
-          <a:stretch>
-            <a:fillRect/>
-          </a:stretch>
-        </p:blipFill>
-        <p:spPr>
-          <a:xfrm>
-            <a:off x="2404049" y="2044266"/>
-            <a:ext cx="405638" cy="405638"/>
-          </a:xfrm>
-          <a:prstGeom prst="rect">
-            <a:avLst/>
-          </a:prstGeom>
-        </p:spPr>
-      </p:pic>
-      <p:pic>
-        <p:nvPicPr>
-          <p:cNvPr id="60" name="Picture 59">
-            <a:extLst>
-              <a:ext uri="{FF2B5EF4-FFF2-40B4-BE49-F238E27FC236}">
-                <a16:creationId xmlns:a16="http://schemas.microsoft.com/office/drawing/2014/main" id="{10810444-15B7-40BC-B329-389B653C4175}"/>
-              </a:ext>
-            </a:extLst>
-          </p:cNvPr>
-          <p:cNvPicPr>
-            <a:picLocks noChangeAspect="1"/>
-          </p:cNvPicPr>
-          <p:nvPr/>
-        </p:nvPicPr>
-        <p:blipFill>
-          <a:blip r:embed="rId6">
-            <a:extLst>
-              <a:ext uri="{28A0092B-C50C-407E-A947-70E740481C1C}">
-                <a14:useLocalDpi xmlns:a14="http://schemas.microsoft.com/office/drawing/2010/main" val="0"/>
-              </a:ext>
-            </a:extLst>
-          </a:blip>
-          <a:stretch>
-            <a:fillRect/>
-          </a:stretch>
-        </p:blipFill>
-        <p:spPr>
-          <a:xfrm>
-            <a:off x="5440398" y="4112268"/>
-            <a:ext cx="380998" cy="380998"/>
-          </a:xfrm>
-          <a:prstGeom prst="rect">
-            <a:avLst/>
-          </a:prstGeom>
-        </p:spPr>
-      </p:pic>
-      <p:pic>
-        <p:nvPicPr>
-          <p:cNvPr id="61" name="Picture 60">
-            <a:extLst>
-              <a:ext uri="{FF2B5EF4-FFF2-40B4-BE49-F238E27FC236}">
-                <a16:creationId xmlns:a16="http://schemas.microsoft.com/office/drawing/2014/main" id="{99E893C9-4156-465F-8970-9C45C54071E4}"/>
-              </a:ext>
-            </a:extLst>
-          </p:cNvPr>
-          <p:cNvPicPr>
-            <a:picLocks noChangeAspect="1"/>
-          </p:cNvPicPr>
-          <p:nvPr/>
-        </p:nvPicPr>
-        <p:blipFill>
-          <a:blip r:embed="rId6">
-            <a:extLst>
-              <a:ext uri="{28A0092B-C50C-407E-A947-70E740481C1C}">
-                <a14:useLocalDpi xmlns:a14="http://schemas.microsoft.com/office/drawing/2010/main" val="0"/>
-              </a:ext>
-            </a:extLst>
-          </a:blip>
-          <a:stretch>
-            <a:fillRect/>
-          </a:stretch>
-        </p:blipFill>
-        <p:spPr>
-          <a:xfrm>
-            <a:off x="5702853" y="4113173"/>
-            <a:ext cx="380998" cy="380998"/>
-          </a:xfrm>
-          <a:prstGeom prst="rect">
-            <a:avLst/>
-          </a:prstGeom>
-        </p:spPr>
-      </p:pic>
-      <p:pic>
-        <p:nvPicPr>
-          <p:cNvPr id="62" name="Picture 61">
-            <a:extLst>
-              <a:ext uri="{FF2B5EF4-FFF2-40B4-BE49-F238E27FC236}">
-                <a16:creationId xmlns:a16="http://schemas.microsoft.com/office/drawing/2014/main" id="{765441AD-114A-4CD7-B540-3BB32C94B2F0}"/>
-              </a:ext>
-            </a:extLst>
-          </p:cNvPr>
-          <p:cNvPicPr>
-            <a:picLocks noChangeAspect="1"/>
-          </p:cNvPicPr>
-          <p:nvPr/>
-        </p:nvPicPr>
-        <p:blipFill>
-          <a:blip r:embed="rId6">
-            <a:extLst>
-              <a:ext uri="{28A0092B-C50C-407E-A947-70E740481C1C}">
-                <a14:useLocalDpi xmlns:a14="http://schemas.microsoft.com/office/drawing/2010/main" val="0"/>
-              </a:ext>
-            </a:extLst>
-          </a:blip>
-          <a:stretch>
-            <a:fillRect/>
-          </a:stretch>
-        </p:blipFill>
-        <p:spPr>
-          <a:xfrm>
-            <a:off x="5442820" y="4493270"/>
-            <a:ext cx="380998" cy="380998"/>
-          </a:xfrm>
-          <a:prstGeom prst="rect">
-            <a:avLst/>
-          </a:prstGeom>
-        </p:spPr>
-      </p:pic>
-      <p:pic>
-        <p:nvPicPr>
-          <p:cNvPr id="63" name="Picture 62">
-            <a:extLst>
-              <a:ext uri="{FF2B5EF4-FFF2-40B4-BE49-F238E27FC236}">
-                <a16:creationId xmlns:a16="http://schemas.microsoft.com/office/drawing/2014/main" id="{1A70A135-B686-4E8B-9960-CC8DAFDD7304}"/>
-              </a:ext>
-            </a:extLst>
-          </p:cNvPr>
-          <p:cNvPicPr>
-            <a:picLocks noChangeAspect="1"/>
-          </p:cNvPicPr>
-          <p:nvPr/>
-        </p:nvPicPr>
-        <p:blipFill>
-          <a:blip r:embed="rId6">
-            <a:extLst>
-              <a:ext uri="{28A0092B-C50C-407E-A947-70E740481C1C}">
-                <a14:useLocalDpi xmlns:a14="http://schemas.microsoft.com/office/drawing/2010/main" val="0"/>
-              </a:ext>
-            </a:extLst>
-          </a:blip>
-          <a:stretch>
-            <a:fillRect/>
-          </a:stretch>
-        </p:blipFill>
-        <p:spPr>
-          <a:xfrm>
-            <a:off x="5705275" y="4494175"/>
-            <a:ext cx="380998" cy="380998"/>
-          </a:xfrm>
-          <a:prstGeom prst="rect">
-            <a:avLst/>
-          </a:prstGeom>
-        </p:spPr>
-      </p:pic>
-      <p:sp>
-        <p:nvSpPr>
-          <p:cNvPr id="64" name="TextBox 63">
-            <a:extLst>
-              <a:ext uri="{FF2B5EF4-FFF2-40B4-BE49-F238E27FC236}">
-                <a16:creationId xmlns:a16="http://schemas.microsoft.com/office/drawing/2014/main" id="{98BFF550-879C-4EF1-95F8-91D4CAD5BA1A}"/>
-              </a:ext>
-            </a:extLst>
-          </p:cNvPr>
-          <p:cNvSpPr txBox="1"/>
-          <p:nvPr/>
-        </p:nvSpPr>
-        <p:spPr>
-          <a:xfrm>
-            <a:off x="5098421" y="4888749"/>
-            <a:ext cx="1375698" cy="253916"/>
-          </a:xfrm>
-          <a:prstGeom prst="rect">
-            <a:avLst/>
-          </a:prstGeom>
-          <a:noFill/>
-        </p:spPr>
-        <p:txBody>
-          <a:bodyPr wrap="none" rtlCol="0">
-            <a:spAutoFit/>
-          </a:bodyPr>
-          <a:lstStyle/>
-          <a:p>
-            <a:pPr algn="ctr"/>
-            <a:r>
-              <a:rPr lang="en-US" sz="1050" dirty="0"/>
-              <a:t>Keyword Save Service</a:t>
-            </a:r>
-          </a:p>
-        </p:txBody>
-      </p:sp>
       <p:cxnSp>
         <p:nvCxnSpPr>
-          <p:cNvPr id="65" name="Straight Arrow Connector 64">
-            <a:extLst>
-              <a:ext uri="{FF2B5EF4-FFF2-40B4-BE49-F238E27FC236}">
-                <a16:creationId xmlns:a16="http://schemas.microsoft.com/office/drawing/2014/main" id="{838F4CC9-739C-44CC-B431-96578F14888C}"/>
+          <p:cNvPr id="36" name="Connector: Elbow 35">
+            <a:extLst>
+              <a:ext uri="{FF2B5EF4-FFF2-40B4-BE49-F238E27FC236}">
+                <a16:creationId xmlns:a16="http://schemas.microsoft.com/office/drawing/2014/main" id="{2057413E-2140-420B-ADE7-3F9E65DA0BE2}"/>
               </a:ext>
             </a:extLst>
           </p:cNvPr>
           <p:cNvCxnSpPr>
             <a:cxnSpLocks/>
+            <a:stCxn id="39" idx="2"/>
+            <a:endCxn id="1026" idx="3"/>
           </p:cNvCxnSpPr>
           <p:nvPr/>
         </p:nvCxnSpPr>
         <p:spPr>
-          <a:xfrm>
-            <a:off x="3568161" y="2578565"/>
-            <a:ext cx="1437597" cy="1558548"/>
-          </a:xfrm>
-          <a:prstGeom prst="straightConnector1">
+          <a:xfrm rot="5400000">
+            <a:off x="5604216" y="2279831"/>
+            <a:ext cx="1261206" cy="601804"/>
+          </a:xfrm>
+          <a:prstGeom prst="bentConnector2">
             <a:avLst/>
           </a:prstGeom>
           <a:ln>
-            <a:headEnd type="triangle"/>
             <a:tailEnd type="triangle"/>
           </a:ln>
         </p:spPr>
@@ -6086,732 +5904,12 @@
           </a:fontRef>
         </p:style>
       </p:cxnSp>
-      <p:sp>
-        <p:nvSpPr>
-          <p:cNvPr id="66" name="TextBox 65">
-            <a:extLst>
-              <a:ext uri="{FF2B5EF4-FFF2-40B4-BE49-F238E27FC236}">
-                <a16:creationId xmlns:a16="http://schemas.microsoft.com/office/drawing/2014/main" id="{84F43A81-557B-4807-B556-BC41D4B67C83}"/>
-              </a:ext>
-            </a:extLst>
-          </p:cNvPr>
-          <p:cNvSpPr txBox="1"/>
-          <p:nvPr/>
-        </p:nvSpPr>
-        <p:spPr>
-          <a:xfrm rot="2859527">
-            <a:off x="4472894" y="3464349"/>
-            <a:ext cx="439544" cy="253916"/>
-          </a:xfrm>
-          <a:prstGeom prst="rect">
-            <a:avLst/>
-          </a:prstGeom>
-          <a:noFill/>
-        </p:spPr>
-        <p:txBody>
-          <a:bodyPr wrap="none" rtlCol="0">
-            <a:spAutoFit/>
-          </a:bodyPr>
-          <a:lstStyle/>
-          <a:p>
-            <a:pPr algn="ctr"/>
-            <a:r>
-              <a:rPr lang="en-US" sz="1050" dirty="0"/>
-              <a:t>Save</a:t>
-            </a:r>
-          </a:p>
-        </p:txBody>
-      </p:sp>
-      <p:pic>
-        <p:nvPicPr>
-          <p:cNvPr id="67" name="Picture 66">
-            <a:extLst>
-              <a:ext uri="{FF2B5EF4-FFF2-40B4-BE49-F238E27FC236}">
-                <a16:creationId xmlns:a16="http://schemas.microsoft.com/office/drawing/2014/main" id="{F30A39F7-7A62-4005-9CFA-BD1462891B2D}"/>
-              </a:ext>
-            </a:extLst>
-          </p:cNvPr>
-          <p:cNvPicPr>
-            <a:picLocks noChangeAspect="1"/>
-          </p:cNvPicPr>
-          <p:nvPr/>
-        </p:nvPicPr>
-        <p:blipFill>
-          <a:blip r:embed="rId3">
-            <a:extLst>
-              <a:ext uri="{28A0092B-C50C-407E-A947-70E740481C1C}">
-                <a14:useLocalDpi xmlns:a14="http://schemas.microsoft.com/office/drawing/2010/main" val="0"/>
-              </a:ext>
-            </a:extLst>
-          </a:blip>
-          <a:stretch>
-            <a:fillRect/>
-          </a:stretch>
-        </p:blipFill>
-        <p:spPr>
-          <a:xfrm>
-            <a:off x="5555664" y="5747033"/>
-            <a:ext cx="380792" cy="380792"/>
-          </a:xfrm>
-          <a:prstGeom prst="rect">
-            <a:avLst/>
-          </a:prstGeom>
-        </p:spPr>
-      </p:pic>
-      <p:sp>
-        <p:nvSpPr>
-          <p:cNvPr id="68" name="TextBox 67">
-            <a:extLst>
-              <a:ext uri="{FF2B5EF4-FFF2-40B4-BE49-F238E27FC236}">
-                <a16:creationId xmlns:a16="http://schemas.microsoft.com/office/drawing/2014/main" id="{19C1F7FC-5667-4D47-9139-2138F1251282}"/>
-              </a:ext>
-            </a:extLst>
-          </p:cNvPr>
-          <p:cNvSpPr txBox="1"/>
-          <p:nvPr/>
-        </p:nvSpPr>
-        <p:spPr>
-          <a:xfrm>
-            <a:off x="5600301" y="6167038"/>
-            <a:ext cx="341760" cy="253916"/>
-          </a:xfrm>
-          <a:prstGeom prst="rect">
-            <a:avLst/>
-          </a:prstGeom>
-          <a:noFill/>
-        </p:spPr>
-        <p:txBody>
-          <a:bodyPr wrap="square" rtlCol="0">
-            <a:spAutoFit/>
-          </a:bodyPr>
-          <a:lstStyle/>
-          <a:p>
-            <a:pPr algn="ctr"/>
-            <a:r>
-              <a:rPr lang="en-US" sz="1050" dirty="0"/>
-              <a:t>DB</a:t>
-            </a:r>
-          </a:p>
-        </p:txBody>
-      </p:sp>
-      <p:cxnSp>
-        <p:nvCxnSpPr>
-          <p:cNvPr id="73" name="Straight Arrow Connector 72">
-            <a:extLst>
-              <a:ext uri="{FF2B5EF4-FFF2-40B4-BE49-F238E27FC236}">
-                <a16:creationId xmlns:a16="http://schemas.microsoft.com/office/drawing/2014/main" id="{6B6D6836-2E02-48DA-BAD4-FED731EDC67E}"/>
-              </a:ext>
-            </a:extLst>
-          </p:cNvPr>
-          <p:cNvCxnSpPr>
-            <a:cxnSpLocks/>
-            <a:stCxn id="64" idx="2"/>
-          </p:cNvCxnSpPr>
-          <p:nvPr/>
-        </p:nvCxnSpPr>
-        <p:spPr>
-          <a:xfrm flipH="1">
-            <a:off x="5773942" y="5142665"/>
-            <a:ext cx="12328" cy="565155"/>
-          </a:xfrm>
-          <a:prstGeom prst="straightConnector1">
-            <a:avLst/>
-          </a:prstGeom>
-          <a:ln>
-            <a:headEnd type="triangle"/>
-            <a:tailEnd type="triangle"/>
-          </a:ln>
-        </p:spPr>
-        <p:style>
-          <a:lnRef idx="1">
-            <a:schemeClr val="accent1"/>
-          </a:lnRef>
-          <a:fillRef idx="0">
-            <a:schemeClr val="accent1"/>
-          </a:fillRef>
-          <a:effectRef idx="0">
-            <a:schemeClr val="accent1"/>
-          </a:effectRef>
-          <a:fontRef idx="minor">
-            <a:schemeClr val="tx1"/>
-          </a:fontRef>
-        </p:style>
-      </p:cxnSp>
-      <p:cxnSp>
-        <p:nvCxnSpPr>
-          <p:cNvPr id="17" name="Straight Arrow Connector 16">
-            <a:extLst>
-              <a:ext uri="{FF2B5EF4-FFF2-40B4-BE49-F238E27FC236}">
-                <a16:creationId xmlns:a16="http://schemas.microsoft.com/office/drawing/2014/main" id="{554BD00C-65D7-4A29-90EF-71CFBC3F3CF0}"/>
-              </a:ext>
-            </a:extLst>
-          </p:cNvPr>
-          <p:cNvCxnSpPr>
-            <a:cxnSpLocks/>
-            <a:endCxn id="53" idx="1"/>
-          </p:cNvCxnSpPr>
-          <p:nvPr/>
-        </p:nvCxnSpPr>
-        <p:spPr>
-          <a:xfrm flipV="1">
-            <a:off x="6327524" y="5135078"/>
-            <a:ext cx="1366015" cy="765474"/>
-          </a:xfrm>
-          <a:prstGeom prst="straightConnector1">
-            <a:avLst/>
-          </a:prstGeom>
-          <a:ln>
-            <a:tailEnd type="triangle"/>
-          </a:ln>
-        </p:spPr>
-        <p:style>
-          <a:lnRef idx="1">
-            <a:schemeClr val="accent1"/>
-          </a:lnRef>
-          <a:fillRef idx="0">
-            <a:schemeClr val="accent1"/>
-          </a:fillRef>
-          <a:effectRef idx="0">
-            <a:schemeClr val="accent1"/>
-          </a:effectRef>
-          <a:fontRef idx="minor">
-            <a:schemeClr val="tx1"/>
-          </a:fontRef>
-        </p:style>
-      </p:cxnSp>
-      <p:cxnSp>
-        <p:nvCxnSpPr>
-          <p:cNvPr id="76" name="Straight Arrow Connector 75">
-            <a:extLst>
-              <a:ext uri="{FF2B5EF4-FFF2-40B4-BE49-F238E27FC236}">
-                <a16:creationId xmlns:a16="http://schemas.microsoft.com/office/drawing/2014/main" id="{4F4F0716-ED04-4303-AB84-DED8C2218A9C}"/>
-              </a:ext>
-            </a:extLst>
-          </p:cNvPr>
-          <p:cNvCxnSpPr>
-            <a:cxnSpLocks/>
-            <a:stCxn id="42" idx="0"/>
-            <a:endCxn id="40" idx="2"/>
-          </p:cNvCxnSpPr>
-          <p:nvPr/>
-        </p:nvCxnSpPr>
-        <p:spPr>
-          <a:xfrm flipH="1" flipV="1">
-            <a:off x="7479306" y="3634318"/>
-            <a:ext cx="764837" cy="858948"/>
-          </a:xfrm>
-          <a:prstGeom prst="straightConnector1">
-            <a:avLst/>
-          </a:prstGeom>
-          <a:ln>
-            <a:tailEnd type="triangle"/>
-          </a:ln>
-        </p:spPr>
-        <p:style>
-          <a:lnRef idx="1">
-            <a:schemeClr val="accent1"/>
-          </a:lnRef>
-          <a:fillRef idx="0">
-            <a:schemeClr val="accent1"/>
-          </a:fillRef>
-          <a:effectRef idx="0">
-            <a:schemeClr val="accent1"/>
-          </a:effectRef>
-          <a:fontRef idx="minor">
-            <a:schemeClr val="tx1"/>
-          </a:fontRef>
-        </p:style>
-      </p:cxnSp>
-      <p:pic>
-        <p:nvPicPr>
-          <p:cNvPr id="3" name="Picture 2">
-            <a:extLst>
-              <a:ext uri="{FF2B5EF4-FFF2-40B4-BE49-F238E27FC236}">
-                <a16:creationId xmlns:a16="http://schemas.microsoft.com/office/drawing/2014/main" id="{3B1A98CF-B966-44AF-8361-FE7A11749FCE}"/>
-              </a:ext>
-            </a:extLst>
-          </p:cNvPr>
-          <p:cNvPicPr>
-            <a:picLocks noChangeAspect="1"/>
-          </p:cNvPicPr>
-          <p:nvPr/>
-        </p:nvPicPr>
-        <p:blipFill>
-          <a:blip r:embed="rId10">
-            <a:extLst>
-              <a:ext uri="{28A0092B-C50C-407E-A947-70E740481C1C}">
-                <a14:useLocalDpi xmlns:a14="http://schemas.microsoft.com/office/drawing/2010/main" val="0"/>
-              </a:ext>
-            </a:extLst>
-          </a:blip>
-          <a:stretch>
-            <a:fillRect/>
-          </a:stretch>
-        </p:blipFill>
-        <p:spPr>
-          <a:xfrm rot="10800000">
-            <a:off x="8111656" y="4267783"/>
-            <a:ext cx="252015" cy="252015"/>
-          </a:xfrm>
-          <a:prstGeom prst="rect">
-            <a:avLst/>
-          </a:prstGeom>
-        </p:spPr>
-      </p:pic>
-      <p:sp>
-        <p:nvSpPr>
-          <p:cNvPr id="43" name="TextBox 42">
-            <a:extLst>
-              <a:ext uri="{FF2B5EF4-FFF2-40B4-BE49-F238E27FC236}">
-                <a16:creationId xmlns:a16="http://schemas.microsoft.com/office/drawing/2014/main" id="{9AF90705-9601-4825-8D47-FD83A7561BAB}"/>
-              </a:ext>
-            </a:extLst>
-          </p:cNvPr>
-          <p:cNvSpPr txBox="1"/>
-          <p:nvPr/>
-        </p:nvSpPr>
-        <p:spPr>
-          <a:xfrm>
-            <a:off x="6271776" y="1475928"/>
-            <a:ext cx="1915910" cy="253916"/>
-          </a:xfrm>
-          <a:prstGeom prst="rect">
-            <a:avLst/>
-          </a:prstGeom>
-          <a:noFill/>
-        </p:spPr>
-        <p:txBody>
-          <a:bodyPr wrap="none" rtlCol="0">
-            <a:spAutoFit/>
-          </a:bodyPr>
-          <a:lstStyle/>
-          <a:p>
-            <a:pPr algn="ctr"/>
-            <a:r>
-              <a:rPr lang="en-US" sz="1050" dirty="0"/>
-              <a:t>Alphabet based </a:t>
-            </a:r>
-            <a:r>
-              <a:rPr lang="en-US" sz="1050" dirty="0" err="1"/>
-              <a:t>Sharding</a:t>
-            </a:r>
-            <a:r>
-              <a:rPr lang="en-US" sz="1050" dirty="0"/>
-              <a:t> (aa-</a:t>
-            </a:r>
-            <a:r>
-              <a:rPr lang="en-US" sz="1050" dirty="0" err="1"/>
-              <a:t>zz</a:t>
-            </a:r>
-            <a:r>
-              <a:rPr lang="en-US" sz="1050" dirty="0"/>
-              <a:t>)</a:t>
-            </a:r>
-          </a:p>
-        </p:txBody>
-      </p:sp>
-      <p:pic>
-        <p:nvPicPr>
-          <p:cNvPr id="44" name="Picture 43">
-            <a:extLst>
-              <a:ext uri="{FF2B5EF4-FFF2-40B4-BE49-F238E27FC236}">
-                <a16:creationId xmlns:a16="http://schemas.microsoft.com/office/drawing/2014/main" id="{339B41B7-7C8A-483D-A4F8-95FDE220DBDA}"/>
-              </a:ext>
-            </a:extLst>
-          </p:cNvPr>
-          <p:cNvPicPr>
-            <a:picLocks noChangeAspect="1"/>
-          </p:cNvPicPr>
-          <p:nvPr/>
-        </p:nvPicPr>
-        <p:blipFill>
-          <a:blip r:embed="rId3">
-            <a:extLst>
-              <a:ext uri="{28A0092B-C50C-407E-A947-70E740481C1C}">
-                <a14:useLocalDpi xmlns:a14="http://schemas.microsoft.com/office/drawing/2010/main" val="0"/>
-              </a:ext>
-            </a:extLst>
-          </a:blip>
-          <a:stretch>
-            <a:fillRect/>
-          </a:stretch>
-        </p:blipFill>
-        <p:spPr>
-          <a:xfrm>
-            <a:off x="6107491" y="1752507"/>
-            <a:ext cx="225616" cy="225616"/>
-          </a:xfrm>
-          <a:prstGeom prst="rect">
-            <a:avLst/>
-          </a:prstGeom>
-        </p:spPr>
-      </p:pic>
-      <p:pic>
-        <p:nvPicPr>
-          <p:cNvPr id="45" name="Picture 44">
-            <a:extLst>
-              <a:ext uri="{FF2B5EF4-FFF2-40B4-BE49-F238E27FC236}">
-                <a16:creationId xmlns:a16="http://schemas.microsoft.com/office/drawing/2014/main" id="{C3461478-9A2E-47DA-A372-1B17FFDA0A28}"/>
-              </a:ext>
-            </a:extLst>
-          </p:cNvPr>
-          <p:cNvPicPr>
-            <a:picLocks noChangeAspect="1"/>
-          </p:cNvPicPr>
-          <p:nvPr/>
-        </p:nvPicPr>
-        <p:blipFill>
-          <a:blip r:embed="rId3">
-            <a:extLst>
-              <a:ext uri="{28A0092B-C50C-407E-A947-70E740481C1C}">
-                <a14:useLocalDpi xmlns:a14="http://schemas.microsoft.com/office/drawing/2010/main" val="0"/>
-              </a:ext>
-            </a:extLst>
-          </a:blip>
-          <a:stretch>
-            <a:fillRect/>
-          </a:stretch>
-        </p:blipFill>
-        <p:spPr>
-          <a:xfrm>
-            <a:off x="6330686" y="1752507"/>
-            <a:ext cx="225616" cy="225616"/>
-          </a:xfrm>
-          <a:prstGeom prst="rect">
-            <a:avLst/>
-          </a:prstGeom>
-        </p:spPr>
-      </p:pic>
-      <p:pic>
-        <p:nvPicPr>
-          <p:cNvPr id="47" name="Picture 46">
-            <a:extLst>
-              <a:ext uri="{FF2B5EF4-FFF2-40B4-BE49-F238E27FC236}">
-                <a16:creationId xmlns:a16="http://schemas.microsoft.com/office/drawing/2014/main" id="{ED018855-90B3-4734-ABE2-94C9C1BDCDA7}"/>
-              </a:ext>
-            </a:extLst>
-          </p:cNvPr>
-          <p:cNvPicPr>
-            <a:picLocks noChangeAspect="1"/>
-          </p:cNvPicPr>
-          <p:nvPr/>
-        </p:nvPicPr>
-        <p:blipFill>
-          <a:blip r:embed="rId3">
-            <a:extLst>
-              <a:ext uri="{28A0092B-C50C-407E-A947-70E740481C1C}">
-                <a14:useLocalDpi xmlns:a14="http://schemas.microsoft.com/office/drawing/2010/main" val="0"/>
-              </a:ext>
-            </a:extLst>
-          </a:blip>
-          <a:stretch>
-            <a:fillRect/>
-          </a:stretch>
-        </p:blipFill>
-        <p:spPr>
-          <a:xfrm>
-            <a:off x="6545626" y="1752507"/>
-            <a:ext cx="225616" cy="225616"/>
-          </a:xfrm>
-          <a:prstGeom prst="rect">
-            <a:avLst/>
-          </a:prstGeom>
-        </p:spPr>
-      </p:pic>
-      <p:pic>
-        <p:nvPicPr>
-          <p:cNvPr id="48" name="Picture 47">
-            <a:extLst>
-              <a:ext uri="{FF2B5EF4-FFF2-40B4-BE49-F238E27FC236}">
-                <a16:creationId xmlns:a16="http://schemas.microsoft.com/office/drawing/2014/main" id="{A74CA64A-EEDB-4942-9BA4-057831923015}"/>
-              </a:ext>
-            </a:extLst>
-          </p:cNvPr>
-          <p:cNvPicPr>
-            <a:picLocks noChangeAspect="1"/>
-          </p:cNvPicPr>
-          <p:nvPr/>
-        </p:nvPicPr>
-        <p:blipFill>
-          <a:blip r:embed="rId3">
-            <a:extLst>
-              <a:ext uri="{28A0092B-C50C-407E-A947-70E740481C1C}">
-                <a14:useLocalDpi xmlns:a14="http://schemas.microsoft.com/office/drawing/2010/main" val="0"/>
-              </a:ext>
-            </a:extLst>
-          </a:blip>
-          <a:stretch>
-            <a:fillRect/>
-          </a:stretch>
-        </p:blipFill>
-        <p:spPr>
-          <a:xfrm>
-            <a:off x="6867954" y="1752507"/>
-            <a:ext cx="225616" cy="225616"/>
-          </a:xfrm>
-          <a:prstGeom prst="rect">
-            <a:avLst/>
-          </a:prstGeom>
-        </p:spPr>
-      </p:pic>
-      <p:pic>
-        <p:nvPicPr>
-          <p:cNvPr id="49" name="Picture 48">
-            <a:extLst>
-              <a:ext uri="{FF2B5EF4-FFF2-40B4-BE49-F238E27FC236}">
-                <a16:creationId xmlns:a16="http://schemas.microsoft.com/office/drawing/2014/main" id="{223967C7-D706-4E79-B2B2-4AC5999FB124}"/>
-              </a:ext>
-            </a:extLst>
-          </p:cNvPr>
-          <p:cNvPicPr>
-            <a:picLocks noChangeAspect="1"/>
-          </p:cNvPicPr>
-          <p:nvPr/>
-        </p:nvPicPr>
-        <p:blipFill>
-          <a:blip r:embed="rId3">
-            <a:extLst>
-              <a:ext uri="{28A0092B-C50C-407E-A947-70E740481C1C}">
-                <a14:useLocalDpi xmlns:a14="http://schemas.microsoft.com/office/drawing/2010/main" val="0"/>
-              </a:ext>
-            </a:extLst>
-          </a:blip>
-          <a:stretch>
-            <a:fillRect/>
-          </a:stretch>
-        </p:blipFill>
-        <p:spPr>
-          <a:xfrm>
-            <a:off x="7083965" y="1752507"/>
-            <a:ext cx="225616" cy="225616"/>
-          </a:xfrm>
-          <a:prstGeom prst="rect">
-            <a:avLst/>
-          </a:prstGeom>
-        </p:spPr>
-      </p:pic>
-      <p:pic>
-        <p:nvPicPr>
-          <p:cNvPr id="50" name="Picture 49">
-            <a:extLst>
-              <a:ext uri="{FF2B5EF4-FFF2-40B4-BE49-F238E27FC236}">
-                <a16:creationId xmlns:a16="http://schemas.microsoft.com/office/drawing/2014/main" id="{599CD5D1-B57D-49D0-B4CA-98143BECF947}"/>
-              </a:ext>
-            </a:extLst>
-          </p:cNvPr>
-          <p:cNvPicPr>
-            <a:picLocks noChangeAspect="1"/>
-          </p:cNvPicPr>
-          <p:nvPr/>
-        </p:nvPicPr>
-        <p:blipFill>
-          <a:blip r:embed="rId3">
-            <a:extLst>
-              <a:ext uri="{28A0092B-C50C-407E-A947-70E740481C1C}">
-                <a14:useLocalDpi xmlns:a14="http://schemas.microsoft.com/office/drawing/2010/main" val="0"/>
-              </a:ext>
-            </a:extLst>
-          </a:blip>
-          <a:stretch>
-            <a:fillRect/>
-          </a:stretch>
-        </p:blipFill>
-        <p:spPr>
-          <a:xfrm>
-            <a:off x="7307160" y="1752507"/>
-            <a:ext cx="225616" cy="225616"/>
-          </a:xfrm>
-          <a:prstGeom prst="rect">
-            <a:avLst/>
-          </a:prstGeom>
-        </p:spPr>
-      </p:pic>
-      <p:pic>
-        <p:nvPicPr>
-          <p:cNvPr id="51" name="Picture 50">
-            <a:extLst>
-              <a:ext uri="{FF2B5EF4-FFF2-40B4-BE49-F238E27FC236}">
-                <a16:creationId xmlns:a16="http://schemas.microsoft.com/office/drawing/2014/main" id="{121EE1B1-C60E-4ABC-9748-EA634BF6074D}"/>
-              </a:ext>
-            </a:extLst>
-          </p:cNvPr>
-          <p:cNvPicPr>
-            <a:picLocks noChangeAspect="1"/>
-          </p:cNvPicPr>
-          <p:nvPr/>
-        </p:nvPicPr>
-        <p:blipFill>
-          <a:blip r:embed="rId3">
-            <a:extLst>
-              <a:ext uri="{28A0092B-C50C-407E-A947-70E740481C1C}">
-                <a14:useLocalDpi xmlns:a14="http://schemas.microsoft.com/office/drawing/2010/main" val="0"/>
-              </a:ext>
-            </a:extLst>
-          </a:blip>
-          <a:stretch>
-            <a:fillRect/>
-          </a:stretch>
-        </p:blipFill>
-        <p:spPr>
-          <a:xfrm>
-            <a:off x="7522100" y="1752507"/>
-            <a:ext cx="225616" cy="225616"/>
-          </a:xfrm>
-          <a:prstGeom prst="rect">
-            <a:avLst/>
-          </a:prstGeom>
-        </p:spPr>
-      </p:pic>
-      <p:pic>
-        <p:nvPicPr>
-          <p:cNvPr id="52" name="Picture 51">
-            <a:extLst>
-              <a:ext uri="{FF2B5EF4-FFF2-40B4-BE49-F238E27FC236}">
-                <a16:creationId xmlns:a16="http://schemas.microsoft.com/office/drawing/2014/main" id="{AD87290D-0B12-42AB-8303-AB8E39413801}"/>
-              </a:ext>
-            </a:extLst>
-          </p:cNvPr>
-          <p:cNvPicPr>
-            <a:picLocks noChangeAspect="1"/>
-          </p:cNvPicPr>
-          <p:nvPr/>
-        </p:nvPicPr>
-        <p:blipFill>
-          <a:blip r:embed="rId3">
-            <a:extLst>
-              <a:ext uri="{28A0092B-C50C-407E-A947-70E740481C1C}">
-                <a14:useLocalDpi xmlns:a14="http://schemas.microsoft.com/office/drawing/2010/main" val="0"/>
-              </a:ext>
-            </a:extLst>
-          </a:blip>
-          <a:stretch>
-            <a:fillRect/>
-          </a:stretch>
-        </p:blipFill>
-        <p:spPr>
-          <a:xfrm>
-            <a:off x="7859230" y="1752507"/>
-            <a:ext cx="225616" cy="225616"/>
-          </a:xfrm>
-          <a:prstGeom prst="rect">
-            <a:avLst/>
-          </a:prstGeom>
-        </p:spPr>
-      </p:pic>
-      <p:pic>
-        <p:nvPicPr>
-          <p:cNvPr id="54" name="Picture 53">
-            <a:extLst>
-              <a:ext uri="{FF2B5EF4-FFF2-40B4-BE49-F238E27FC236}">
-                <a16:creationId xmlns:a16="http://schemas.microsoft.com/office/drawing/2014/main" id="{5CEF92BF-C8F2-44F1-A513-BF7A3B0259C2}"/>
-              </a:ext>
-            </a:extLst>
-          </p:cNvPr>
-          <p:cNvPicPr>
-            <a:picLocks noChangeAspect="1"/>
-          </p:cNvPicPr>
-          <p:nvPr/>
-        </p:nvPicPr>
-        <p:blipFill>
-          <a:blip r:embed="rId3">
-            <a:extLst>
-              <a:ext uri="{28A0092B-C50C-407E-A947-70E740481C1C}">
-                <a14:useLocalDpi xmlns:a14="http://schemas.microsoft.com/office/drawing/2010/main" val="0"/>
-              </a:ext>
-            </a:extLst>
-          </a:blip>
-          <a:stretch>
-            <a:fillRect/>
-          </a:stretch>
-        </p:blipFill>
-        <p:spPr>
-          <a:xfrm>
-            <a:off x="8075241" y="1752507"/>
-            <a:ext cx="225616" cy="225616"/>
-          </a:xfrm>
-          <a:prstGeom prst="rect">
-            <a:avLst/>
-          </a:prstGeom>
-        </p:spPr>
-      </p:pic>
-      <p:pic>
-        <p:nvPicPr>
-          <p:cNvPr id="56" name="Picture 55">
-            <a:extLst>
-              <a:ext uri="{FF2B5EF4-FFF2-40B4-BE49-F238E27FC236}">
-                <a16:creationId xmlns:a16="http://schemas.microsoft.com/office/drawing/2014/main" id="{9EB8CAAA-8990-48C3-B3CA-3051706ACDA6}"/>
-              </a:ext>
-            </a:extLst>
-          </p:cNvPr>
-          <p:cNvPicPr>
-            <a:picLocks noChangeAspect="1"/>
-          </p:cNvPicPr>
-          <p:nvPr/>
-        </p:nvPicPr>
-        <p:blipFill>
-          <a:blip r:embed="rId3">
-            <a:extLst>
-              <a:ext uri="{28A0092B-C50C-407E-A947-70E740481C1C}">
-                <a14:useLocalDpi xmlns:a14="http://schemas.microsoft.com/office/drawing/2010/main" val="0"/>
-              </a:ext>
-            </a:extLst>
-          </a:blip>
-          <a:stretch>
-            <a:fillRect/>
-          </a:stretch>
-        </p:blipFill>
-        <p:spPr>
-          <a:xfrm>
-            <a:off x="8298436" y="1752507"/>
-            <a:ext cx="225616" cy="225616"/>
-          </a:xfrm>
-          <a:prstGeom prst="rect">
-            <a:avLst/>
-          </a:prstGeom>
-        </p:spPr>
-      </p:pic>
-      <p:pic>
-        <p:nvPicPr>
-          <p:cNvPr id="75" name="Picture 74">
-            <a:extLst>
-              <a:ext uri="{FF2B5EF4-FFF2-40B4-BE49-F238E27FC236}">
-                <a16:creationId xmlns:a16="http://schemas.microsoft.com/office/drawing/2014/main" id="{EF2E66ED-9389-4090-869D-7AD860A37342}"/>
-              </a:ext>
-            </a:extLst>
-          </p:cNvPr>
-          <p:cNvPicPr>
-            <a:picLocks noChangeAspect="1"/>
-          </p:cNvPicPr>
-          <p:nvPr/>
-        </p:nvPicPr>
-        <p:blipFill>
-          <a:blip r:embed="rId3">
-            <a:extLst>
-              <a:ext uri="{28A0092B-C50C-407E-A947-70E740481C1C}">
-                <a14:useLocalDpi xmlns:a14="http://schemas.microsoft.com/office/drawing/2010/main" val="0"/>
-              </a:ext>
-            </a:extLst>
-          </a:blip>
-          <a:stretch>
-            <a:fillRect/>
-          </a:stretch>
-        </p:blipFill>
-        <p:spPr>
-          <a:xfrm>
-            <a:off x="8513376" y="1752507"/>
-            <a:ext cx="225616" cy="225616"/>
-          </a:xfrm>
-          <a:prstGeom prst="rect">
-            <a:avLst/>
-          </a:prstGeom>
-        </p:spPr>
-      </p:pic>
       <p:graphicFrame>
         <p:nvGraphicFramePr>
-          <p:cNvPr id="77" name="Table 76">
-            <a:extLst>
-              <a:ext uri="{FF2B5EF4-FFF2-40B4-BE49-F238E27FC236}">
-                <a16:creationId xmlns:a16="http://schemas.microsoft.com/office/drawing/2014/main" id="{51EAE83E-64AC-49A1-A3C4-5EB097006917}"/>
+          <p:cNvPr id="57" name="Table 56">
+            <a:extLst>
+              <a:ext uri="{FF2B5EF4-FFF2-40B4-BE49-F238E27FC236}">
+                <a16:creationId xmlns:a16="http://schemas.microsoft.com/office/drawing/2014/main" id="{BFDC3997-90F6-43A2-8624-B9513C8781C4}"/>
               </a:ext>
             </a:extLst>
           </p:cNvPr>
@@ -6821,14 +5919,14 @@
           <p:nvPr>
             <p:extLst>
               <p:ext uri="{D42A27DB-BD31-4B8C-83A1-F6EECF244321}">
-                <p14:modId xmlns:p14="http://schemas.microsoft.com/office/powerpoint/2010/main" val="695719506"/>
+                <p14:modId xmlns:p14="http://schemas.microsoft.com/office/powerpoint/2010/main" val="3230055784"/>
               </p:ext>
             </p:extLst>
           </p:nvPr>
         </p:nvGraphicFramePr>
         <p:xfrm>
-          <a:off x="1500282" y="5196326"/>
-          <a:ext cx="3141604" cy="1219200"/>
+          <a:off x="9550169" y="1119189"/>
+          <a:ext cx="1371904" cy="975360"/>
         </p:xfrm>
         <a:graphic>
           <a:graphicData uri="http://schemas.openxmlformats.org/drawingml/2006/table">
@@ -6837,36 +5935,15 @@
                 <a:tableStyleId>{5C22544A-7EE6-4342-B048-85BDC9FD1C3A}</a:tableStyleId>
               </a:tblPr>
               <a:tblGrid>
-                <a:gridCol w="709245">
+                <a:gridCol w="1371904">
                   <a:extLst>
                     <a:ext uri="{9D8B030D-6E8A-4147-A177-3AD203B41FA5}">
                       <a16:colId xmlns:a16="http://schemas.microsoft.com/office/drawing/2014/main" val="501410180"/>
                     </a:ext>
                   </a:extLst>
                 </a:gridCol>
-                <a:gridCol w="869801">
-                  <a:extLst>
-                    <a:ext uri="{9D8B030D-6E8A-4147-A177-3AD203B41FA5}">
-                      <a16:colId xmlns:a16="http://schemas.microsoft.com/office/drawing/2014/main" val="2556601176"/>
-                    </a:ext>
-                  </a:extLst>
-                </a:gridCol>
-                <a:gridCol w="836024">
-                  <a:extLst>
-                    <a:ext uri="{9D8B030D-6E8A-4147-A177-3AD203B41FA5}">
-                      <a16:colId xmlns:a16="http://schemas.microsoft.com/office/drawing/2014/main" val="3100165475"/>
-                    </a:ext>
-                  </a:extLst>
-                </a:gridCol>
-                <a:gridCol w="726534">
-                  <a:extLst>
-                    <a:ext uri="{9D8B030D-6E8A-4147-A177-3AD203B41FA5}">
-                      <a16:colId xmlns:a16="http://schemas.microsoft.com/office/drawing/2014/main" val="3638617122"/>
-                    </a:ext>
-                  </a:extLst>
-                </a:gridCol>
               </a:tblGrid>
-              <a:tr h="169708">
+              <a:tr h="239400">
                 <a:tc>
                   <a:txBody>
                     <a:bodyPr/>
@@ -6874,46 +5951,7 @@
                     <a:p>
                       <a:r>
                         <a:rPr lang="en-US" sz="1000" dirty="0"/>
-                        <a:t>Keyword</a:t>
-                      </a:r>
-                    </a:p>
-                  </a:txBody>
-                  <a:tcPr/>
-                </a:tc>
-                <a:tc>
-                  <a:txBody>
-                    <a:bodyPr/>
-                    <a:lstStyle/>
-                    <a:p>
-                      <a:r>
-                        <a:rPr lang="en-US" sz="1000" dirty="0"/>
-                        <a:t>Frequency</a:t>
-                      </a:r>
-                    </a:p>
-                  </a:txBody>
-                  <a:tcPr/>
-                </a:tc>
-                <a:tc>
-                  <a:txBody>
-                    <a:bodyPr/>
-                    <a:lstStyle/>
-                    <a:p>
-                      <a:r>
-                        <a:rPr lang="en-US" sz="1000" dirty="0"/>
-                        <a:t>Date(year)</a:t>
-                      </a:r>
-                    </a:p>
-                  </a:txBody>
-                  <a:tcPr/>
-                </a:tc>
-                <a:tc>
-                  <a:txBody>
-                    <a:bodyPr/>
-                    <a:lstStyle/>
-                    <a:p>
-                      <a:r>
-                        <a:rPr lang="en-US" sz="1000" dirty="0"/>
-                        <a:t>Region</a:t>
+                        <a:t>User</a:t>
                       </a:r>
                     </a:p>
                   </a:txBody>
@@ -6933,46 +5971,15 @@
                     <a:p>
                       <a:r>
                         <a:rPr lang="en-US" sz="1000" dirty="0"/>
-                        <a:t>Tree</a:t>
+                        <a:t>ID, </a:t>
                       </a:r>
-                    </a:p>
-                  </a:txBody>
-                  <a:tcPr/>
-                </a:tc>
-                <a:tc>
-                  <a:txBody>
-                    <a:bodyPr/>
-                    <a:lstStyle/>
-                    <a:p>
+                      <a:r>
+                        <a:rPr lang="en-US" sz="1000" dirty="0" err="1"/>
+                        <a:t>Pwd</a:t>
+                      </a:r>
                       <a:r>
                         <a:rPr lang="en-US" sz="1000" dirty="0"/>
-                        <a:t>1000</a:t>
-                      </a:r>
-                    </a:p>
-                  </a:txBody>
-                  <a:tcPr/>
-                </a:tc>
-                <a:tc>
-                  <a:txBody>
-                    <a:bodyPr/>
-                    <a:lstStyle/>
-                    <a:p>
-                      <a:r>
-                        <a:rPr lang="en-US" sz="1000" dirty="0"/>
-                        <a:t>2021</a:t>
-                      </a:r>
-                    </a:p>
-                  </a:txBody>
-                  <a:tcPr/>
-                </a:tc>
-                <a:tc>
-                  <a:txBody>
-                    <a:bodyPr/>
-                    <a:lstStyle/>
-                    <a:p>
-                      <a:r>
-                        <a:rPr lang="en-US" sz="1000" dirty="0"/>
-                        <a:t>US</a:t>
+                        <a:t>, Name, Email</a:t>
                       </a:r>
                     </a:p>
                   </a:txBody>
@@ -6992,46 +5999,7 @@
                     <a:p>
                       <a:r>
                         <a:rPr lang="en-US" sz="1000" dirty="0"/>
-                        <a:t>Tree</a:t>
-                      </a:r>
-                    </a:p>
-                  </a:txBody>
-                  <a:tcPr/>
-                </a:tc>
-                <a:tc>
-                  <a:txBody>
-                    <a:bodyPr/>
-                    <a:lstStyle/>
-                    <a:p>
-                      <a:r>
-                        <a:rPr lang="en-US" sz="1000" dirty="0"/>
-                        <a:t>500</a:t>
-                      </a:r>
-                    </a:p>
-                  </a:txBody>
-                  <a:tcPr/>
-                </a:tc>
-                <a:tc>
-                  <a:txBody>
-                    <a:bodyPr/>
-                    <a:lstStyle/>
-                    <a:p>
-                      <a:r>
-                        <a:rPr lang="en-US" sz="1000" dirty="0"/>
-                        <a:t>2022</a:t>
-                      </a:r>
-                    </a:p>
-                  </a:txBody>
-                  <a:tcPr/>
-                </a:tc>
-                <a:tc>
-                  <a:txBody>
-                    <a:bodyPr/>
-                    <a:lstStyle/>
-                    <a:p>
-                      <a:r>
-                        <a:rPr lang="en-US" sz="1000" dirty="0"/>
-                        <a:t>CA</a:t>
+                        <a:t>Public Key</a:t>
                       </a:r>
                     </a:p>
                   </a:txBody>
@@ -7039,7 +6007,7 @@
                 </a:tc>
                 <a:extLst>
                   <a:ext uri="{0D108BD9-81ED-4DB2-BD59-A6C34878D82A}">
-                    <a16:rowId xmlns:a16="http://schemas.microsoft.com/office/drawing/2014/main" val="3663491602"/>
+                    <a16:rowId xmlns:a16="http://schemas.microsoft.com/office/drawing/2014/main" val="2049906242"/>
                   </a:ext>
                 </a:extLst>
               </a:tr>
@@ -7050,14 +6018,930 @@
                     <a:lstStyle/>
                     <a:p>
                       <a:r>
-                        <a:rPr lang="en-US" sz="1000" dirty="0" err="1"/>
-                        <a:t>Trie</a:t>
+                        <a:rPr lang="en-US" sz="1000" dirty="0"/>
+                        <a:t>Encrypted Private Key</a:t>
                       </a:r>
-                      <a:endParaRPr lang="en-US" sz="1000" dirty="0"/>
                     </a:p>
                   </a:txBody>
                   <a:tcPr/>
                 </a:tc>
+                <a:extLst>
+                  <a:ext uri="{0D108BD9-81ED-4DB2-BD59-A6C34878D82A}">
+                    <a16:rowId xmlns:a16="http://schemas.microsoft.com/office/drawing/2014/main" val="2002937548"/>
+                  </a:ext>
+                </a:extLst>
+              </a:tr>
+            </a:tbl>
+          </a:graphicData>
+        </a:graphic>
+      </p:graphicFrame>
+      <p:cxnSp>
+        <p:nvCxnSpPr>
+          <p:cNvPr id="59" name="Straight Connector 58">
+            <a:extLst>
+              <a:ext uri="{FF2B5EF4-FFF2-40B4-BE49-F238E27FC236}">
+                <a16:creationId xmlns:a16="http://schemas.microsoft.com/office/drawing/2014/main" id="{5317112A-01F9-4CAF-8CAA-75AE25D84DDF}"/>
+              </a:ext>
+            </a:extLst>
+          </p:cNvPr>
+          <p:cNvCxnSpPr>
+            <a:cxnSpLocks/>
+            <a:endCxn id="46" idx="1"/>
+          </p:cNvCxnSpPr>
+          <p:nvPr/>
+        </p:nvCxnSpPr>
+        <p:spPr>
+          <a:xfrm flipV="1">
+            <a:off x="8909138" y="1623641"/>
+            <a:ext cx="253146" cy="11220"/>
+          </a:xfrm>
+          <a:prstGeom prst="line">
+            <a:avLst/>
+          </a:prstGeom>
+        </p:spPr>
+        <p:style>
+          <a:lnRef idx="1">
+            <a:schemeClr val="accent1"/>
+          </a:lnRef>
+          <a:fillRef idx="0">
+            <a:schemeClr val="accent1"/>
+          </a:fillRef>
+          <a:effectRef idx="0">
+            <a:schemeClr val="accent1"/>
+          </a:effectRef>
+          <a:fontRef idx="minor">
+            <a:schemeClr val="tx1"/>
+          </a:fontRef>
+        </p:style>
+      </p:cxnSp>
+      <p:pic>
+        <p:nvPicPr>
+          <p:cNvPr id="1029" name="Picture 1028">
+            <a:extLst>
+              <a:ext uri="{FF2B5EF4-FFF2-40B4-BE49-F238E27FC236}">
+                <a16:creationId xmlns:a16="http://schemas.microsoft.com/office/drawing/2014/main" id="{F5EAA6FC-41EA-44D1-A146-8644EF580772}"/>
+              </a:ext>
+            </a:extLst>
+          </p:cNvPr>
+          <p:cNvPicPr>
+            <a:picLocks noChangeAspect="1"/>
+          </p:cNvPicPr>
+          <p:nvPr/>
+        </p:nvPicPr>
+        <p:blipFill>
+          <a:blip r:embed="rId9">
+            <a:extLst>
+              <a:ext uri="{28A0092B-C50C-407E-A947-70E740481C1C}">
+                <a14:useLocalDpi xmlns:a14="http://schemas.microsoft.com/office/drawing/2010/main" val="0"/>
+              </a:ext>
+            </a:extLst>
+          </a:blip>
+          <a:stretch>
+            <a:fillRect/>
+          </a:stretch>
+        </p:blipFill>
+        <p:spPr>
+          <a:xfrm>
+            <a:off x="6796925" y="3799315"/>
+            <a:ext cx="876832" cy="486482"/>
+          </a:xfrm>
+          <a:prstGeom prst="rect">
+            <a:avLst/>
+          </a:prstGeom>
+        </p:spPr>
+      </p:pic>
+      <p:pic>
+        <p:nvPicPr>
+          <p:cNvPr id="78" name="Picture 77">
+            <a:extLst>
+              <a:ext uri="{FF2B5EF4-FFF2-40B4-BE49-F238E27FC236}">
+                <a16:creationId xmlns:a16="http://schemas.microsoft.com/office/drawing/2014/main" id="{65B03A98-4FA6-4AAE-B5FC-7879B06ED29D}"/>
+              </a:ext>
+            </a:extLst>
+          </p:cNvPr>
+          <p:cNvPicPr>
+            <a:picLocks noChangeAspect="1"/>
+          </p:cNvPicPr>
+          <p:nvPr/>
+        </p:nvPicPr>
+        <p:blipFill>
+          <a:blip r:embed="rId10">
+            <a:extLst>
+              <a:ext uri="{28A0092B-C50C-407E-A947-70E740481C1C}">
+                <a14:useLocalDpi xmlns:a14="http://schemas.microsoft.com/office/drawing/2010/main" val="0"/>
+              </a:ext>
+            </a:extLst>
+          </a:blip>
+          <a:stretch>
+            <a:fillRect/>
+          </a:stretch>
+        </p:blipFill>
+        <p:spPr>
+          <a:xfrm>
+            <a:off x="6250055" y="4240423"/>
+            <a:ext cx="460394" cy="460394"/>
+          </a:xfrm>
+          <a:prstGeom prst="rect">
+            <a:avLst/>
+          </a:prstGeom>
+        </p:spPr>
+      </p:pic>
+      <p:pic>
+        <p:nvPicPr>
+          <p:cNvPr id="79" name="Picture 78">
+            <a:extLst>
+              <a:ext uri="{FF2B5EF4-FFF2-40B4-BE49-F238E27FC236}">
+                <a16:creationId xmlns:a16="http://schemas.microsoft.com/office/drawing/2014/main" id="{832D7448-1A00-496A-AED6-CBAD72A0E923}"/>
+              </a:ext>
+            </a:extLst>
+          </p:cNvPr>
+          <p:cNvPicPr>
+            <a:picLocks noChangeAspect="1"/>
+          </p:cNvPicPr>
+          <p:nvPr/>
+        </p:nvPicPr>
+        <p:blipFill>
+          <a:blip r:embed="rId10">
+            <a:extLst>
+              <a:ext uri="{28A0092B-C50C-407E-A947-70E740481C1C}">
+                <a14:useLocalDpi xmlns:a14="http://schemas.microsoft.com/office/drawing/2010/main" val="0"/>
+              </a:ext>
+            </a:extLst>
+          </a:blip>
+          <a:stretch>
+            <a:fillRect/>
+          </a:stretch>
+        </p:blipFill>
+        <p:spPr>
+          <a:xfrm>
+            <a:off x="6770657" y="4242369"/>
+            <a:ext cx="460394" cy="460394"/>
+          </a:xfrm>
+          <a:prstGeom prst="rect">
+            <a:avLst/>
+          </a:prstGeom>
+        </p:spPr>
+      </p:pic>
+      <p:pic>
+        <p:nvPicPr>
+          <p:cNvPr id="80" name="Picture 79">
+            <a:extLst>
+              <a:ext uri="{FF2B5EF4-FFF2-40B4-BE49-F238E27FC236}">
+                <a16:creationId xmlns:a16="http://schemas.microsoft.com/office/drawing/2014/main" id="{EE26A628-D5E4-4F12-868B-BD1171A338B7}"/>
+              </a:ext>
+            </a:extLst>
+          </p:cNvPr>
+          <p:cNvPicPr>
+            <a:picLocks noChangeAspect="1"/>
+          </p:cNvPicPr>
+          <p:nvPr/>
+        </p:nvPicPr>
+        <p:blipFill>
+          <a:blip r:embed="rId10">
+            <a:extLst>
+              <a:ext uri="{28A0092B-C50C-407E-A947-70E740481C1C}">
+                <a14:useLocalDpi xmlns:a14="http://schemas.microsoft.com/office/drawing/2010/main" val="0"/>
+              </a:ext>
+            </a:extLst>
+          </a:blip>
+          <a:stretch>
+            <a:fillRect/>
+          </a:stretch>
+        </p:blipFill>
+        <p:spPr>
+          <a:xfrm>
+            <a:off x="7291259" y="4236531"/>
+            <a:ext cx="460394" cy="460394"/>
+          </a:xfrm>
+          <a:prstGeom prst="rect">
+            <a:avLst/>
+          </a:prstGeom>
+        </p:spPr>
+      </p:pic>
+      <p:pic>
+        <p:nvPicPr>
+          <p:cNvPr id="81" name="Picture 80">
+            <a:extLst>
+              <a:ext uri="{FF2B5EF4-FFF2-40B4-BE49-F238E27FC236}">
+                <a16:creationId xmlns:a16="http://schemas.microsoft.com/office/drawing/2014/main" id="{54DD55B6-902F-4DC0-8B9F-EE91B87649B9}"/>
+              </a:ext>
+            </a:extLst>
+          </p:cNvPr>
+          <p:cNvPicPr>
+            <a:picLocks noChangeAspect="1"/>
+          </p:cNvPicPr>
+          <p:nvPr/>
+        </p:nvPicPr>
+        <p:blipFill>
+          <a:blip r:embed="rId10">
+            <a:extLst>
+              <a:ext uri="{28A0092B-C50C-407E-A947-70E740481C1C}">
+                <a14:useLocalDpi xmlns:a14="http://schemas.microsoft.com/office/drawing/2010/main" val="0"/>
+              </a:ext>
+            </a:extLst>
+          </a:blip>
+          <a:stretch>
+            <a:fillRect/>
+          </a:stretch>
+        </p:blipFill>
+        <p:spPr>
+          <a:xfrm>
+            <a:off x="7811861" y="4238477"/>
+            <a:ext cx="460394" cy="460394"/>
+          </a:xfrm>
+          <a:prstGeom prst="rect">
+            <a:avLst/>
+          </a:prstGeom>
+        </p:spPr>
+      </p:pic>
+      <p:sp>
+        <p:nvSpPr>
+          <p:cNvPr id="82" name="TextBox 81">
+            <a:extLst>
+              <a:ext uri="{FF2B5EF4-FFF2-40B4-BE49-F238E27FC236}">
+                <a16:creationId xmlns:a16="http://schemas.microsoft.com/office/drawing/2014/main" id="{5F079E71-C43E-4FAC-A661-992432724138}"/>
+              </a:ext>
+            </a:extLst>
+          </p:cNvPr>
+          <p:cNvSpPr txBox="1"/>
+          <p:nvPr/>
+        </p:nvSpPr>
+        <p:spPr>
+          <a:xfrm>
+            <a:off x="6187633" y="4645769"/>
+            <a:ext cx="546946" cy="253916"/>
+          </a:xfrm>
+          <a:prstGeom prst="rect">
+            <a:avLst/>
+          </a:prstGeom>
+          <a:noFill/>
+        </p:spPr>
+        <p:txBody>
+          <a:bodyPr wrap="none" rtlCol="0">
+            <a:spAutoFit/>
+          </a:bodyPr>
+          <a:lstStyle/>
+          <a:p>
+            <a:pPr algn="ctr"/>
+            <a:r>
+              <a:rPr lang="en-US" sz="1050" dirty="0"/>
+              <a:t>User A</a:t>
+            </a:r>
+          </a:p>
+        </p:txBody>
+      </p:sp>
+      <p:sp>
+        <p:nvSpPr>
+          <p:cNvPr id="83" name="TextBox 82">
+            <a:extLst>
+              <a:ext uri="{FF2B5EF4-FFF2-40B4-BE49-F238E27FC236}">
+                <a16:creationId xmlns:a16="http://schemas.microsoft.com/office/drawing/2014/main" id="{BE9418B7-9E02-4EF9-BE2E-AA98CA65EE1E}"/>
+              </a:ext>
+            </a:extLst>
+          </p:cNvPr>
+          <p:cNvSpPr txBox="1"/>
+          <p:nvPr/>
+        </p:nvSpPr>
+        <p:spPr>
+          <a:xfrm>
+            <a:off x="6713632" y="4658157"/>
+            <a:ext cx="546946" cy="253916"/>
+          </a:xfrm>
+          <a:prstGeom prst="rect">
+            <a:avLst/>
+          </a:prstGeom>
+          <a:noFill/>
+        </p:spPr>
+        <p:txBody>
+          <a:bodyPr wrap="none" rtlCol="0">
+            <a:spAutoFit/>
+          </a:bodyPr>
+          <a:lstStyle/>
+          <a:p>
+            <a:pPr algn="ctr"/>
+            <a:r>
+              <a:rPr lang="en-US" sz="1050" dirty="0"/>
+              <a:t>User B</a:t>
+            </a:r>
+          </a:p>
+        </p:txBody>
+      </p:sp>
+      <p:sp>
+        <p:nvSpPr>
+          <p:cNvPr id="84" name="TextBox 83">
+            <a:extLst>
+              <a:ext uri="{FF2B5EF4-FFF2-40B4-BE49-F238E27FC236}">
+                <a16:creationId xmlns:a16="http://schemas.microsoft.com/office/drawing/2014/main" id="{F07DDE71-8037-4C70-8251-126A0AC22D77}"/>
+              </a:ext>
+            </a:extLst>
+          </p:cNvPr>
+          <p:cNvSpPr txBox="1"/>
+          <p:nvPr/>
+        </p:nvSpPr>
+        <p:spPr>
+          <a:xfrm>
+            <a:off x="7239631" y="4662878"/>
+            <a:ext cx="546946" cy="253916"/>
+          </a:xfrm>
+          <a:prstGeom prst="rect">
+            <a:avLst/>
+          </a:prstGeom>
+          <a:noFill/>
+        </p:spPr>
+        <p:txBody>
+          <a:bodyPr wrap="none" rtlCol="0">
+            <a:spAutoFit/>
+          </a:bodyPr>
+          <a:lstStyle/>
+          <a:p>
+            <a:pPr algn="ctr"/>
+            <a:r>
+              <a:rPr lang="en-US" sz="1050" dirty="0"/>
+              <a:t>User C</a:t>
+            </a:r>
+          </a:p>
+        </p:txBody>
+      </p:sp>
+      <p:sp>
+        <p:nvSpPr>
+          <p:cNvPr id="85" name="TextBox 84">
+            <a:extLst>
+              <a:ext uri="{FF2B5EF4-FFF2-40B4-BE49-F238E27FC236}">
+                <a16:creationId xmlns:a16="http://schemas.microsoft.com/office/drawing/2014/main" id="{B4BA44A4-1CF9-40D8-9D23-7FCCAB131B7C}"/>
+              </a:ext>
+            </a:extLst>
+          </p:cNvPr>
+          <p:cNvSpPr txBox="1"/>
+          <p:nvPr/>
+        </p:nvSpPr>
+        <p:spPr>
+          <a:xfrm>
+            <a:off x="7765631" y="4650491"/>
+            <a:ext cx="546946" cy="253916"/>
+          </a:xfrm>
+          <a:prstGeom prst="rect">
+            <a:avLst/>
+          </a:prstGeom>
+          <a:noFill/>
+        </p:spPr>
+        <p:txBody>
+          <a:bodyPr wrap="none" rtlCol="0">
+            <a:spAutoFit/>
+          </a:bodyPr>
+          <a:lstStyle/>
+          <a:p>
+            <a:pPr algn="ctr"/>
+            <a:r>
+              <a:rPr lang="en-US" sz="1050" dirty="0"/>
+              <a:t>User D</a:t>
+            </a:r>
+          </a:p>
+        </p:txBody>
+      </p:sp>
+      <p:sp>
+        <p:nvSpPr>
+          <p:cNvPr id="86" name="TextBox 85">
+            <a:extLst>
+              <a:ext uri="{FF2B5EF4-FFF2-40B4-BE49-F238E27FC236}">
+                <a16:creationId xmlns:a16="http://schemas.microsoft.com/office/drawing/2014/main" id="{2CDB07D4-8A0F-4D1D-823F-E16BF1850A75}"/>
+              </a:ext>
+            </a:extLst>
+          </p:cNvPr>
+          <p:cNvSpPr txBox="1"/>
+          <p:nvPr/>
+        </p:nvSpPr>
+        <p:spPr>
+          <a:xfrm>
+            <a:off x="2913699" y="3356561"/>
+            <a:ext cx="843501" cy="415498"/>
+          </a:xfrm>
+          <a:prstGeom prst="rect">
+            <a:avLst/>
+          </a:prstGeom>
+          <a:noFill/>
+        </p:spPr>
+        <p:txBody>
+          <a:bodyPr wrap="none" rtlCol="0">
+            <a:spAutoFit/>
+          </a:bodyPr>
+          <a:lstStyle/>
+          <a:p>
+            <a:r>
+              <a:rPr lang="en-US" sz="1050" dirty="0"/>
+              <a:t>- Message</a:t>
+            </a:r>
+          </a:p>
+          <a:p>
+            <a:r>
+              <a:rPr lang="en-US" sz="1050" dirty="0"/>
+              <a:t>- Heart Beat</a:t>
+            </a:r>
+          </a:p>
+        </p:txBody>
+      </p:sp>
+      <p:pic>
+        <p:nvPicPr>
+          <p:cNvPr id="87" name="Picture 86">
+            <a:extLst>
+              <a:ext uri="{FF2B5EF4-FFF2-40B4-BE49-F238E27FC236}">
+                <a16:creationId xmlns:a16="http://schemas.microsoft.com/office/drawing/2014/main" id="{E417F4EA-7026-481E-892B-A56F96D7B684}"/>
+              </a:ext>
+            </a:extLst>
+          </p:cNvPr>
+          <p:cNvPicPr>
+            <a:picLocks noChangeAspect="1"/>
+          </p:cNvPicPr>
+          <p:nvPr/>
+        </p:nvPicPr>
+        <p:blipFill>
+          <a:blip r:embed="rId6">
+            <a:extLst>
+              <a:ext uri="{28A0092B-C50C-407E-A947-70E740481C1C}">
+                <a14:useLocalDpi xmlns:a14="http://schemas.microsoft.com/office/drawing/2010/main" val="0"/>
+              </a:ext>
+            </a:extLst>
+          </a:blip>
+          <a:stretch>
+            <a:fillRect/>
+          </a:stretch>
+        </p:blipFill>
+        <p:spPr>
+          <a:xfrm>
+            <a:off x="9020394" y="4277888"/>
+            <a:ext cx="385463" cy="385463"/>
+          </a:xfrm>
+          <a:prstGeom prst="rect">
+            <a:avLst/>
+          </a:prstGeom>
+        </p:spPr>
+      </p:pic>
+      <p:sp>
+        <p:nvSpPr>
+          <p:cNvPr id="88" name="TextBox 87">
+            <a:extLst>
+              <a:ext uri="{FF2B5EF4-FFF2-40B4-BE49-F238E27FC236}">
+                <a16:creationId xmlns:a16="http://schemas.microsoft.com/office/drawing/2014/main" id="{CD9905C6-D777-49B0-BBF3-B491A545890A}"/>
+              </a:ext>
+            </a:extLst>
+          </p:cNvPr>
+          <p:cNvSpPr txBox="1"/>
+          <p:nvPr/>
+        </p:nvSpPr>
+        <p:spPr>
+          <a:xfrm>
+            <a:off x="8901649" y="4663351"/>
+            <a:ext cx="657552" cy="253916"/>
+          </a:xfrm>
+          <a:prstGeom prst="rect">
+            <a:avLst/>
+          </a:prstGeom>
+          <a:noFill/>
+        </p:spPr>
+        <p:txBody>
+          <a:bodyPr wrap="none" rtlCol="0">
+            <a:spAutoFit/>
+          </a:bodyPr>
+          <a:lstStyle/>
+          <a:p>
+            <a:pPr algn="ctr"/>
+            <a:r>
+              <a:rPr lang="en-US" sz="1050" dirty="0"/>
+              <a:t>Chat Log</a:t>
+            </a:r>
+          </a:p>
+        </p:txBody>
+      </p:sp>
+      <p:cxnSp>
+        <p:nvCxnSpPr>
+          <p:cNvPr id="89" name="Connector: Elbow 88">
+            <a:extLst>
+              <a:ext uri="{FF2B5EF4-FFF2-40B4-BE49-F238E27FC236}">
+                <a16:creationId xmlns:a16="http://schemas.microsoft.com/office/drawing/2014/main" id="{B4C2A4BA-6435-401D-B75D-B800E7E69948}"/>
+              </a:ext>
+            </a:extLst>
+          </p:cNvPr>
+          <p:cNvCxnSpPr>
+            <a:cxnSpLocks/>
+            <a:stCxn id="47" idx="2"/>
+            <a:endCxn id="78" idx="1"/>
+          </p:cNvCxnSpPr>
+          <p:nvPr/>
+        </p:nvCxnSpPr>
+        <p:spPr>
+          <a:xfrm rot="16200000" flipH="1">
+            <a:off x="4951804" y="3172369"/>
+            <a:ext cx="687314" cy="1909187"/>
+          </a:xfrm>
+          <a:prstGeom prst="bentConnector2">
+            <a:avLst/>
+          </a:prstGeom>
+          <a:ln>
+            <a:headEnd type="triangle"/>
+            <a:tailEnd type="triangle"/>
+          </a:ln>
+        </p:spPr>
+        <p:style>
+          <a:lnRef idx="1">
+            <a:schemeClr val="accent1"/>
+          </a:lnRef>
+          <a:fillRef idx="0">
+            <a:schemeClr val="accent1"/>
+          </a:fillRef>
+          <a:effectRef idx="0">
+            <a:schemeClr val="accent1"/>
+          </a:effectRef>
+          <a:fontRef idx="minor">
+            <a:schemeClr val="tx1"/>
+          </a:fontRef>
+        </p:style>
+      </p:cxnSp>
+      <p:cxnSp>
+        <p:nvCxnSpPr>
+          <p:cNvPr id="94" name="Connector: Elbow 93">
+            <a:extLst>
+              <a:ext uri="{FF2B5EF4-FFF2-40B4-BE49-F238E27FC236}">
+                <a16:creationId xmlns:a16="http://schemas.microsoft.com/office/drawing/2014/main" id="{EF410E5F-1650-477D-A9E2-7C88B3C88DD4}"/>
+              </a:ext>
+            </a:extLst>
+          </p:cNvPr>
+          <p:cNvCxnSpPr>
+            <a:cxnSpLocks/>
+            <a:stCxn id="81" idx="3"/>
+            <a:endCxn id="87" idx="1"/>
+          </p:cNvCxnSpPr>
+          <p:nvPr/>
+        </p:nvCxnSpPr>
+        <p:spPr>
+          <a:xfrm>
+            <a:off x="8272255" y="4468674"/>
+            <a:ext cx="748139" cy="1946"/>
+          </a:xfrm>
+          <a:prstGeom prst="bentConnector3">
+            <a:avLst>
+              <a:gd name="adj1" fmla="val 50000"/>
+            </a:avLst>
+          </a:prstGeom>
+          <a:ln>
+            <a:tailEnd type="triangle"/>
+          </a:ln>
+        </p:spPr>
+        <p:style>
+          <a:lnRef idx="1">
+            <a:schemeClr val="accent1"/>
+          </a:lnRef>
+          <a:fillRef idx="0">
+            <a:schemeClr val="accent1"/>
+          </a:fillRef>
+          <a:effectRef idx="0">
+            <a:schemeClr val="accent1"/>
+          </a:effectRef>
+          <a:fontRef idx="minor">
+            <a:schemeClr val="tx1"/>
+          </a:fontRef>
+        </p:style>
+      </p:cxnSp>
+      <p:pic>
+        <p:nvPicPr>
+          <p:cNvPr id="97" name="Picture 96">
+            <a:extLst>
+              <a:ext uri="{FF2B5EF4-FFF2-40B4-BE49-F238E27FC236}">
+                <a16:creationId xmlns:a16="http://schemas.microsoft.com/office/drawing/2014/main" id="{9110D33A-E26B-44C6-85ED-75E457FB2641}"/>
+              </a:ext>
+            </a:extLst>
+          </p:cNvPr>
+          <p:cNvPicPr>
+            <a:picLocks noChangeAspect="1"/>
+          </p:cNvPicPr>
+          <p:nvPr/>
+        </p:nvPicPr>
+        <p:blipFill>
+          <a:blip r:embed="rId11">
+            <a:extLst>
+              <a:ext uri="{28A0092B-C50C-407E-A947-70E740481C1C}">
+                <a14:useLocalDpi xmlns:a14="http://schemas.microsoft.com/office/drawing/2010/main" val="0"/>
+              </a:ext>
+            </a:extLst>
+          </a:blip>
+          <a:stretch>
+            <a:fillRect/>
+          </a:stretch>
+        </p:blipFill>
+        <p:spPr>
+          <a:xfrm>
+            <a:off x="3051035" y="5229505"/>
+            <a:ext cx="220535" cy="220535"/>
+          </a:xfrm>
+          <a:prstGeom prst="rect">
+            <a:avLst/>
+          </a:prstGeom>
+        </p:spPr>
+      </p:pic>
+      <p:pic>
+        <p:nvPicPr>
+          <p:cNvPr id="98" name="Picture 97">
+            <a:extLst>
+              <a:ext uri="{FF2B5EF4-FFF2-40B4-BE49-F238E27FC236}">
+                <a16:creationId xmlns:a16="http://schemas.microsoft.com/office/drawing/2014/main" id="{C3972378-4375-4CDB-AE93-064B3A1EC590}"/>
+              </a:ext>
+            </a:extLst>
+          </p:cNvPr>
+          <p:cNvPicPr>
+            <a:picLocks noChangeAspect="1"/>
+          </p:cNvPicPr>
+          <p:nvPr/>
+        </p:nvPicPr>
+        <p:blipFill>
+          <a:blip r:embed="rId6">
+            <a:extLst>
+              <a:ext uri="{28A0092B-C50C-407E-A947-70E740481C1C}">
+                <a14:useLocalDpi xmlns:a14="http://schemas.microsoft.com/office/drawing/2010/main" val="0"/>
+              </a:ext>
+            </a:extLst>
+          </a:blip>
+          <a:stretch>
+            <a:fillRect/>
+          </a:stretch>
+        </p:blipFill>
+        <p:spPr>
+          <a:xfrm>
+            <a:off x="2961429" y="4281093"/>
+            <a:ext cx="385463" cy="385463"/>
+          </a:xfrm>
+          <a:prstGeom prst="rect">
+            <a:avLst/>
+          </a:prstGeom>
+        </p:spPr>
+      </p:pic>
+      <p:sp>
+        <p:nvSpPr>
+          <p:cNvPr id="99" name="TextBox 98">
+            <a:extLst>
+              <a:ext uri="{FF2B5EF4-FFF2-40B4-BE49-F238E27FC236}">
+                <a16:creationId xmlns:a16="http://schemas.microsoft.com/office/drawing/2014/main" id="{863B6069-3722-4EF9-9CF1-3C2FABC4EBA8}"/>
+              </a:ext>
+            </a:extLst>
+          </p:cNvPr>
+          <p:cNvSpPr txBox="1"/>
+          <p:nvPr/>
+        </p:nvSpPr>
+        <p:spPr>
+          <a:xfrm>
+            <a:off x="2830755" y="4650322"/>
+            <a:ext cx="662361" cy="253916"/>
+          </a:xfrm>
+          <a:prstGeom prst="rect">
+            <a:avLst/>
+          </a:prstGeom>
+          <a:noFill/>
+        </p:spPr>
+        <p:txBody>
+          <a:bodyPr wrap="none" rtlCol="0">
+            <a:spAutoFit/>
+          </a:bodyPr>
+          <a:lstStyle/>
+          <a:p>
+            <a:r>
+              <a:rPr lang="en-US" sz="1050" dirty="0"/>
+              <a:t>File Data</a:t>
+            </a:r>
+          </a:p>
+        </p:txBody>
+      </p:sp>
+      <p:sp>
+        <p:nvSpPr>
+          <p:cNvPr id="100" name="TextBox 99">
+            <a:extLst>
+              <a:ext uri="{FF2B5EF4-FFF2-40B4-BE49-F238E27FC236}">
+                <a16:creationId xmlns:a16="http://schemas.microsoft.com/office/drawing/2014/main" id="{47453FA5-936E-4183-A7D1-94193CF06DFE}"/>
+              </a:ext>
+            </a:extLst>
+          </p:cNvPr>
+          <p:cNvSpPr txBox="1"/>
+          <p:nvPr/>
+        </p:nvSpPr>
+        <p:spPr>
+          <a:xfrm>
+            <a:off x="2741154" y="5429745"/>
+            <a:ext cx="911340" cy="276999"/>
+          </a:xfrm>
+          <a:prstGeom prst="rect">
+            <a:avLst/>
+          </a:prstGeom>
+          <a:noFill/>
+        </p:spPr>
+        <p:txBody>
+          <a:bodyPr wrap="none" rtlCol="0">
+            <a:spAutoFit/>
+          </a:bodyPr>
+          <a:lstStyle/>
+          <a:p>
+            <a:r>
+              <a:rPr lang="en-US" sz="1200" dirty="0"/>
+              <a:t>File Storage</a:t>
+            </a:r>
+          </a:p>
+        </p:txBody>
+      </p:sp>
+      <p:cxnSp>
+        <p:nvCxnSpPr>
+          <p:cNvPr id="101" name="Connector: Elbow 100">
+            <a:extLst>
+              <a:ext uri="{FF2B5EF4-FFF2-40B4-BE49-F238E27FC236}">
+                <a16:creationId xmlns:a16="http://schemas.microsoft.com/office/drawing/2014/main" id="{C1635F27-273F-44B5-BB71-3721CEB15099}"/>
+              </a:ext>
+            </a:extLst>
+          </p:cNvPr>
+          <p:cNvCxnSpPr>
+            <a:cxnSpLocks/>
+            <a:stCxn id="47" idx="2"/>
+            <a:endCxn id="98" idx="3"/>
+          </p:cNvCxnSpPr>
+          <p:nvPr/>
+        </p:nvCxnSpPr>
+        <p:spPr>
+          <a:xfrm rot="5400000">
+            <a:off x="3498621" y="3631577"/>
+            <a:ext cx="690519" cy="993976"/>
+          </a:xfrm>
+          <a:prstGeom prst="bentConnector2">
+            <a:avLst/>
+          </a:prstGeom>
+          <a:ln>
+            <a:tailEnd type="triangle"/>
+          </a:ln>
+        </p:spPr>
+        <p:style>
+          <a:lnRef idx="1">
+            <a:schemeClr val="accent1"/>
+          </a:lnRef>
+          <a:fillRef idx="0">
+            <a:schemeClr val="accent1"/>
+          </a:fillRef>
+          <a:effectRef idx="0">
+            <a:schemeClr val="accent1"/>
+          </a:effectRef>
+          <a:fontRef idx="minor">
+            <a:schemeClr val="tx1"/>
+          </a:fontRef>
+        </p:style>
+      </p:cxnSp>
+      <p:cxnSp>
+        <p:nvCxnSpPr>
+          <p:cNvPr id="1049" name="Straight Arrow Connector 1048">
+            <a:extLst>
+              <a:ext uri="{FF2B5EF4-FFF2-40B4-BE49-F238E27FC236}">
+                <a16:creationId xmlns:a16="http://schemas.microsoft.com/office/drawing/2014/main" id="{8CB3DB4E-55B1-4143-AA48-FB9C708CC0DA}"/>
+              </a:ext>
+            </a:extLst>
+          </p:cNvPr>
+          <p:cNvCxnSpPr>
+            <a:cxnSpLocks/>
+          </p:cNvCxnSpPr>
+          <p:nvPr/>
+        </p:nvCxnSpPr>
+        <p:spPr>
+          <a:xfrm flipH="1">
+            <a:off x="3161303" y="4875663"/>
+            <a:ext cx="633" cy="325267"/>
+          </a:xfrm>
+          <a:prstGeom prst="straightConnector1">
+            <a:avLst/>
+          </a:prstGeom>
+          <a:ln>
+            <a:tailEnd type="triangle"/>
+          </a:ln>
+        </p:spPr>
+        <p:style>
+          <a:lnRef idx="1">
+            <a:schemeClr val="accent1"/>
+          </a:lnRef>
+          <a:fillRef idx="0">
+            <a:schemeClr val="accent1"/>
+          </a:fillRef>
+          <a:effectRef idx="0">
+            <a:schemeClr val="accent1"/>
+          </a:effectRef>
+          <a:fontRef idx="minor">
+            <a:schemeClr val="tx1"/>
+          </a:fontRef>
+        </p:style>
+      </p:cxnSp>
+      <p:sp>
+        <p:nvSpPr>
+          <p:cNvPr id="117" name="TextBox 116">
+            <a:extLst>
+              <a:ext uri="{FF2B5EF4-FFF2-40B4-BE49-F238E27FC236}">
+                <a16:creationId xmlns:a16="http://schemas.microsoft.com/office/drawing/2014/main" id="{2DC7966C-E07D-4223-A03F-891F75D658A1}"/>
+              </a:ext>
+            </a:extLst>
+          </p:cNvPr>
+          <p:cNvSpPr txBox="1"/>
+          <p:nvPr/>
+        </p:nvSpPr>
+        <p:spPr>
+          <a:xfrm>
+            <a:off x="4383203" y="4070139"/>
+            <a:ext cx="1781257" cy="415498"/>
+          </a:xfrm>
+          <a:prstGeom prst="rect">
+            <a:avLst/>
+          </a:prstGeom>
+          <a:noFill/>
+        </p:spPr>
+        <p:txBody>
+          <a:bodyPr wrap="none" rtlCol="0">
+            <a:spAutoFit/>
+          </a:bodyPr>
+          <a:lstStyle/>
+          <a:p>
+            <a:r>
+              <a:rPr lang="en-US" sz="1050" dirty="0"/>
+              <a:t>Encrypt Message </a:t>
+            </a:r>
+          </a:p>
+          <a:p>
+            <a:r>
+              <a:rPr lang="en-US" sz="1050" dirty="0"/>
+              <a:t>with the receiver’s public key</a:t>
+            </a:r>
+          </a:p>
+        </p:txBody>
+      </p:sp>
+      <p:sp>
+        <p:nvSpPr>
+          <p:cNvPr id="126" name="TextBox 125">
+            <a:extLst>
+              <a:ext uri="{FF2B5EF4-FFF2-40B4-BE49-F238E27FC236}">
+                <a16:creationId xmlns:a16="http://schemas.microsoft.com/office/drawing/2014/main" id="{44A69D22-F895-495E-9E54-AABC5C9B3BDB}"/>
+              </a:ext>
+            </a:extLst>
+          </p:cNvPr>
+          <p:cNvSpPr txBox="1"/>
+          <p:nvPr/>
+        </p:nvSpPr>
+        <p:spPr>
+          <a:xfrm>
+            <a:off x="628600" y="3472177"/>
+            <a:ext cx="1130438" cy="253916"/>
+          </a:xfrm>
+          <a:prstGeom prst="rect">
+            <a:avLst/>
+          </a:prstGeom>
+          <a:noFill/>
+        </p:spPr>
+        <p:txBody>
+          <a:bodyPr wrap="none" rtlCol="0">
+            <a:spAutoFit/>
+          </a:bodyPr>
+          <a:lstStyle/>
+          <a:p>
+            <a:r>
+              <a:rPr lang="en-US" sz="1050" dirty="0"/>
+              <a:t>Decrypt Message</a:t>
+            </a:r>
+          </a:p>
+        </p:txBody>
+      </p:sp>
+      <p:graphicFrame>
+        <p:nvGraphicFramePr>
+          <p:cNvPr id="127" name="Table 126">
+            <a:extLst>
+              <a:ext uri="{FF2B5EF4-FFF2-40B4-BE49-F238E27FC236}">
+                <a16:creationId xmlns:a16="http://schemas.microsoft.com/office/drawing/2014/main" id="{3FB882D6-0EB6-476D-A4A4-83219659B8B2}"/>
+              </a:ext>
+            </a:extLst>
+          </p:cNvPr>
+          <p:cNvGraphicFramePr>
+            <a:graphicFrameLocks noGrp="1"/>
+          </p:cNvGraphicFramePr>
+          <p:nvPr>
+            <p:extLst>
+              <p:ext uri="{D42A27DB-BD31-4B8C-83A1-F6EECF244321}">
+                <p14:modId xmlns:p14="http://schemas.microsoft.com/office/powerpoint/2010/main" val="3141410342"/>
+              </p:ext>
+            </p:extLst>
+          </p:nvPr>
+        </p:nvGraphicFramePr>
+        <p:xfrm>
+          <a:off x="9556202" y="4158089"/>
+          <a:ext cx="1643437" cy="1219200"/>
+        </p:xfrm>
+        <a:graphic>
+          <a:graphicData uri="http://schemas.openxmlformats.org/drawingml/2006/table">
+            <a:tbl>
+              <a:tblPr firstRow="1" bandRow="1">
+                <a:tableStyleId>{5C22544A-7EE6-4342-B048-85BDC9FD1C3A}</a:tableStyleId>
+              </a:tblPr>
+              <a:tblGrid>
+                <a:gridCol w="1643437">
+                  <a:extLst>
+                    <a:ext uri="{9D8B030D-6E8A-4147-A177-3AD203B41FA5}">
+                      <a16:colId xmlns:a16="http://schemas.microsoft.com/office/drawing/2014/main" val="501410180"/>
+                    </a:ext>
+                  </a:extLst>
+                </a:gridCol>
+              </a:tblGrid>
+              <a:tr h="239400">
                 <a:tc>
                   <a:txBody>
                     <a:bodyPr/>
@@ -7065,33 +6949,7 @@
                     <a:p>
                       <a:r>
                         <a:rPr lang="en-US" sz="1000" dirty="0"/>
-                        <a:t>100</a:t>
-                      </a:r>
-                    </a:p>
-                  </a:txBody>
-                  <a:tcPr/>
-                </a:tc>
-                <a:tc>
-                  <a:txBody>
-                    <a:bodyPr/>
-                    <a:lstStyle/>
-                    <a:p>
-                      <a:r>
-                        <a:rPr lang="en-US" sz="1000" dirty="0"/>
-                        <a:t>2021</a:t>
-                      </a:r>
-                    </a:p>
-                  </a:txBody>
-                  <a:tcPr/>
-                </a:tc>
-                <a:tc>
-                  <a:txBody>
-                    <a:bodyPr/>
-                    <a:lstStyle/>
-                    <a:p>
-                      <a:r>
-                        <a:rPr lang="en-US" sz="1000" dirty="0"/>
-                        <a:t>GB</a:t>
+                        <a:t>Message</a:t>
                       </a:r>
                     </a:p>
                   </a:txBody>
@@ -7099,7 +6957,7 @@
                 </a:tc>
                 <a:extLst>
                   <a:ext uri="{0D108BD9-81ED-4DB2-BD59-A6C34878D82A}">
-                    <a16:rowId xmlns:a16="http://schemas.microsoft.com/office/drawing/2014/main" val="1136136950"/>
+                    <a16:rowId xmlns:a16="http://schemas.microsoft.com/office/drawing/2014/main" val="1413859457"/>
                   </a:ext>
                 </a:extLst>
               </a:tr>
@@ -7110,14 +6968,20 @@
                     <a:lstStyle/>
                     <a:p>
                       <a:r>
-                        <a:rPr lang="en-US" sz="1000" dirty="0" err="1"/>
-                        <a:t>Trie</a:t>
+                        <a:rPr lang="en-US" sz="1000" dirty="0"/>
+                        <a:t>ID, Group ID, From</a:t>
                       </a:r>
-                      <a:endParaRPr lang="en-US" sz="1000" dirty="0"/>
                     </a:p>
                   </a:txBody>
                   <a:tcPr/>
                 </a:tc>
+                <a:extLst>
+                  <a:ext uri="{0D108BD9-81ED-4DB2-BD59-A6C34878D82A}">
+                    <a16:rowId xmlns:a16="http://schemas.microsoft.com/office/drawing/2014/main" val="1142264014"/>
+                  </a:ext>
+                </a:extLst>
+              </a:tr>
+              <a:tr h="169708">
                 <a:tc>
                   <a:txBody>
                     <a:bodyPr/>
@@ -7125,12 +6989,19 @@
                     <a:p>
                       <a:r>
                         <a:rPr lang="en-US" sz="1000" dirty="0"/>
-                        <a:t>800</a:t>
+                        <a:t>Time stamp, File URL</a:t>
                       </a:r>
                     </a:p>
                   </a:txBody>
                   <a:tcPr/>
                 </a:tc>
+                <a:extLst>
+                  <a:ext uri="{0D108BD9-81ED-4DB2-BD59-A6C34878D82A}">
+                    <a16:rowId xmlns:a16="http://schemas.microsoft.com/office/drawing/2014/main" val="2049906242"/>
+                  </a:ext>
+                </a:extLst>
+              </a:tr>
+              <a:tr h="169708">
                 <a:tc>
                   <a:txBody>
                     <a:bodyPr/>
@@ -7138,12 +7009,19 @@
                     <a:p>
                       <a:r>
                         <a:rPr lang="en-US" sz="1000" dirty="0"/>
-                        <a:t>2022</a:t>
+                        <a:t>Encrypted MSG</a:t>
                       </a:r>
                     </a:p>
                   </a:txBody>
                   <a:tcPr/>
                 </a:tc>
+                <a:extLst>
+                  <a:ext uri="{0D108BD9-81ED-4DB2-BD59-A6C34878D82A}">
+                    <a16:rowId xmlns:a16="http://schemas.microsoft.com/office/drawing/2014/main" val="2002937548"/>
+                  </a:ext>
+                </a:extLst>
+              </a:tr>
+              <a:tr h="169708">
                 <a:tc>
                   <a:txBody>
                     <a:bodyPr/>
@@ -7151,7 +7029,7 @@
                     <a:p>
                       <a:r>
                         <a:rPr lang="en-US" sz="1000" dirty="0"/>
-                        <a:t>IS</a:t>
+                        <a:t>Encrypted Symmetric key</a:t>
                       </a:r>
                     </a:p>
                   </a:txBody>
@@ -7159,7 +7037,7 @@
                 </a:tc>
                 <a:extLst>
                   <a:ext uri="{0D108BD9-81ED-4DB2-BD59-A6C34878D82A}">
-                    <a16:rowId xmlns:a16="http://schemas.microsoft.com/office/drawing/2014/main" val="2904904943"/>
+                    <a16:rowId xmlns:a16="http://schemas.microsoft.com/office/drawing/2014/main" val="3385983640"/>
                   </a:ext>
                 </a:extLst>
               </a:tr>
@@ -7167,46 +7045,274 @@
           </a:graphicData>
         </a:graphic>
       </p:graphicFrame>
-      <p:sp>
-        <p:nvSpPr>
-          <p:cNvPr id="78" name="TextBox 77">
-            <a:extLst>
-              <a:ext uri="{FF2B5EF4-FFF2-40B4-BE49-F238E27FC236}">
-                <a16:creationId xmlns:a16="http://schemas.microsoft.com/office/drawing/2014/main" id="{E9AE9768-7ABB-4F67-BFED-F52B99F8EE4A}"/>
-              </a:ext>
-            </a:extLst>
-          </p:cNvPr>
-          <p:cNvSpPr txBox="1"/>
-          <p:nvPr/>
-        </p:nvSpPr>
-        <p:spPr>
-          <a:xfrm>
-            <a:off x="1410867" y="4874264"/>
-            <a:ext cx="3440365" cy="253916"/>
-          </a:xfrm>
-          <a:prstGeom prst="rect">
-            <a:avLst/>
-          </a:prstGeom>
-          <a:noFill/>
-        </p:spPr>
-        <p:txBody>
-          <a:bodyPr wrap="none" rtlCol="0">
-            <a:spAutoFit/>
-          </a:bodyPr>
-          <a:lstStyle/>
-          <a:p>
-            <a:pPr algn="ctr"/>
-            <a:r>
-              <a:rPr lang="en-US" sz="1050" dirty="0"/>
-              <a:t>Ranking Model = Date*Weight*Frequency Group by Region</a:t>
-            </a:r>
-          </a:p>
-        </p:txBody>
-      </p:sp>
+      <p:graphicFrame>
+        <p:nvGraphicFramePr>
+          <p:cNvPr id="129" name="Table 128">
+            <a:extLst>
+              <a:ext uri="{FF2B5EF4-FFF2-40B4-BE49-F238E27FC236}">
+                <a16:creationId xmlns:a16="http://schemas.microsoft.com/office/drawing/2014/main" id="{ED3EAC0D-6105-461C-ABCC-0B107ECC40CD}"/>
+              </a:ext>
+            </a:extLst>
+          </p:cNvPr>
+          <p:cNvGraphicFramePr>
+            <a:graphicFrameLocks noGrp="1"/>
+          </p:cNvGraphicFramePr>
+          <p:nvPr>
+            <p:extLst>
+              <p:ext uri="{D42A27DB-BD31-4B8C-83A1-F6EECF244321}">
+                <p14:modId xmlns:p14="http://schemas.microsoft.com/office/powerpoint/2010/main" val="964082246"/>
+              </p:ext>
+            </p:extLst>
+          </p:nvPr>
+        </p:nvGraphicFramePr>
+        <p:xfrm>
+          <a:off x="10974107" y="1123953"/>
+          <a:ext cx="916376" cy="731520"/>
+        </p:xfrm>
+        <a:graphic>
+          <a:graphicData uri="http://schemas.openxmlformats.org/drawingml/2006/table">
+            <a:tbl>
+              <a:tblPr firstRow="1" bandRow="1">
+                <a:tableStyleId>{5C22544A-7EE6-4342-B048-85BDC9FD1C3A}</a:tableStyleId>
+              </a:tblPr>
+              <a:tblGrid>
+                <a:gridCol w="916376">
+                  <a:extLst>
+                    <a:ext uri="{9D8B030D-6E8A-4147-A177-3AD203B41FA5}">
+                      <a16:colId xmlns:a16="http://schemas.microsoft.com/office/drawing/2014/main" val="501410180"/>
+                    </a:ext>
+                  </a:extLst>
+                </a:gridCol>
+              </a:tblGrid>
+              <a:tr h="239400">
+                <a:tc>
+                  <a:txBody>
+                    <a:bodyPr/>
+                    <a:lstStyle/>
+                    <a:p>
+                      <a:r>
+                        <a:rPr lang="en-US" sz="1000" dirty="0"/>
+                        <a:t> Group</a:t>
+                      </a:r>
+                    </a:p>
+                  </a:txBody>
+                  <a:tcPr/>
+                </a:tc>
+                <a:extLst>
+                  <a:ext uri="{0D108BD9-81ED-4DB2-BD59-A6C34878D82A}">
+                    <a16:rowId xmlns:a16="http://schemas.microsoft.com/office/drawing/2014/main" val="1413859457"/>
+                  </a:ext>
+                </a:extLst>
+              </a:tr>
+              <a:tr h="169708">
+                <a:tc>
+                  <a:txBody>
+                    <a:bodyPr/>
+                    <a:lstStyle/>
+                    <a:p>
+                      <a:r>
+                        <a:rPr lang="en-US" sz="1000" dirty="0"/>
+                        <a:t>ID, Name</a:t>
+                      </a:r>
+                    </a:p>
+                  </a:txBody>
+                  <a:tcPr/>
+                </a:tc>
+                <a:extLst>
+                  <a:ext uri="{0D108BD9-81ED-4DB2-BD59-A6C34878D82A}">
+                    <a16:rowId xmlns:a16="http://schemas.microsoft.com/office/drawing/2014/main" val="1142264014"/>
+                  </a:ext>
+                </a:extLst>
+              </a:tr>
+              <a:tr h="169708">
+                <a:tc>
+                  <a:txBody>
+                    <a:bodyPr/>
+                    <a:lstStyle/>
+                    <a:p>
+                      <a:r>
+                        <a:rPr lang="en-US" sz="1000" dirty="0"/>
+                        <a:t>Users</a:t>
+                      </a:r>
+                    </a:p>
+                  </a:txBody>
+                  <a:tcPr/>
+                </a:tc>
+                <a:extLst>
+                  <a:ext uri="{0D108BD9-81ED-4DB2-BD59-A6C34878D82A}">
+                    <a16:rowId xmlns:a16="http://schemas.microsoft.com/office/drawing/2014/main" val="2049906242"/>
+                  </a:ext>
+                </a:extLst>
+              </a:tr>
+            </a:tbl>
+          </a:graphicData>
+        </a:graphic>
+      </p:graphicFrame>
+      <p:graphicFrame>
+        <p:nvGraphicFramePr>
+          <p:cNvPr id="130" name="Table 129">
+            <a:extLst>
+              <a:ext uri="{FF2B5EF4-FFF2-40B4-BE49-F238E27FC236}">
+                <a16:creationId xmlns:a16="http://schemas.microsoft.com/office/drawing/2014/main" id="{843C5199-00A0-48E6-9048-1DAEA63A78E1}"/>
+              </a:ext>
+            </a:extLst>
+          </p:cNvPr>
+          <p:cNvGraphicFramePr>
+            <a:graphicFrameLocks noGrp="1"/>
+          </p:cNvGraphicFramePr>
+          <p:nvPr>
+            <p:extLst>
+              <p:ext uri="{D42A27DB-BD31-4B8C-83A1-F6EECF244321}">
+                <p14:modId xmlns:p14="http://schemas.microsoft.com/office/powerpoint/2010/main" val="419970281"/>
+              </p:ext>
+            </p:extLst>
+          </p:nvPr>
+        </p:nvGraphicFramePr>
+        <p:xfrm>
+          <a:off x="1285614" y="4267910"/>
+          <a:ext cx="1328630" cy="975360"/>
+        </p:xfrm>
+        <a:graphic>
+          <a:graphicData uri="http://schemas.openxmlformats.org/drawingml/2006/table">
+            <a:tbl>
+              <a:tblPr firstRow="1" bandRow="1">
+                <a:tableStyleId>{5C22544A-7EE6-4342-B048-85BDC9FD1C3A}</a:tableStyleId>
+              </a:tblPr>
+              <a:tblGrid>
+                <a:gridCol w="1328630">
+                  <a:extLst>
+                    <a:ext uri="{9D8B030D-6E8A-4147-A177-3AD203B41FA5}">
+                      <a16:colId xmlns:a16="http://schemas.microsoft.com/office/drawing/2014/main" val="501410180"/>
+                    </a:ext>
+                  </a:extLst>
+                </a:gridCol>
+              </a:tblGrid>
+              <a:tr h="239400">
+                <a:tc>
+                  <a:txBody>
+                    <a:bodyPr/>
+                    <a:lstStyle/>
+                    <a:p>
+                      <a:r>
+                        <a:rPr lang="en-US" sz="1000" dirty="0"/>
+                        <a:t>File</a:t>
+                      </a:r>
+                    </a:p>
+                  </a:txBody>
+                  <a:tcPr/>
+                </a:tc>
+                <a:extLst>
+                  <a:ext uri="{0D108BD9-81ED-4DB2-BD59-A6C34878D82A}">
+                    <a16:rowId xmlns:a16="http://schemas.microsoft.com/office/drawing/2014/main" val="1413859457"/>
+                  </a:ext>
+                </a:extLst>
+              </a:tr>
+              <a:tr h="169708">
+                <a:tc>
+                  <a:txBody>
+                    <a:bodyPr/>
+                    <a:lstStyle/>
+                    <a:p>
+                      <a:r>
+                        <a:rPr lang="en-US" sz="1000" dirty="0"/>
+                        <a:t>ID, Name, Size, Type</a:t>
+                      </a:r>
+                    </a:p>
+                  </a:txBody>
+                  <a:tcPr/>
+                </a:tc>
+                <a:extLst>
+                  <a:ext uri="{0D108BD9-81ED-4DB2-BD59-A6C34878D82A}">
+                    <a16:rowId xmlns:a16="http://schemas.microsoft.com/office/drawing/2014/main" val="1142264014"/>
+                  </a:ext>
+                </a:extLst>
+              </a:tr>
+              <a:tr h="169708">
+                <a:tc>
+                  <a:txBody>
+                    <a:bodyPr/>
+                    <a:lstStyle/>
+                    <a:p>
+                      <a:pPr marL="0" marR="0" lvl="0" indent="0" algn="l" defTabSz="914400" rtl="0" eaLnBrk="1" fontAlgn="auto" latinLnBrk="0" hangingPunct="1">
+                        <a:lnSpc>
+                          <a:spcPct val="100000"/>
+                        </a:lnSpc>
+                        <a:spcBef>
+                          <a:spcPts val="0"/>
+                        </a:spcBef>
+                        <a:spcAft>
+                          <a:spcPts val="0"/>
+                        </a:spcAft>
+                        <a:buClrTx/>
+                        <a:buSzTx/>
+                        <a:buFontTx/>
+                        <a:buNone/>
+                        <a:tabLst/>
+                        <a:defRPr/>
+                      </a:pPr>
+                      <a:r>
+                        <a:rPr lang="en-US" sz="1000" dirty="0" err="1"/>
+                        <a:t>Createor</a:t>
+                      </a:r>
+                      <a:r>
+                        <a:rPr lang="en-US" sz="1000" dirty="0"/>
+                        <a:t>, Timestamp</a:t>
+                      </a:r>
+                    </a:p>
+                  </a:txBody>
+                  <a:tcPr/>
+                </a:tc>
+                <a:extLst>
+                  <a:ext uri="{0D108BD9-81ED-4DB2-BD59-A6C34878D82A}">
+                    <a16:rowId xmlns:a16="http://schemas.microsoft.com/office/drawing/2014/main" val="2049906242"/>
+                  </a:ext>
+                </a:extLst>
+              </a:tr>
+              <a:tr h="169708">
+                <a:tc>
+                  <a:txBody>
+                    <a:bodyPr/>
+                    <a:lstStyle/>
+                    <a:p>
+                      <a:pPr marL="0" marR="0" lvl="0" indent="0" algn="l" defTabSz="914400" rtl="0" eaLnBrk="1" fontAlgn="auto" latinLnBrk="0" hangingPunct="1">
+                        <a:lnSpc>
+                          <a:spcPct val="100000"/>
+                        </a:lnSpc>
+                        <a:spcBef>
+                          <a:spcPts val="0"/>
+                        </a:spcBef>
+                        <a:spcAft>
+                          <a:spcPts val="0"/>
+                        </a:spcAft>
+                        <a:buClrTx/>
+                        <a:buSzTx/>
+                        <a:buFontTx/>
+                        <a:buNone/>
+                        <a:tabLst/>
+                        <a:defRPr/>
+                      </a:pPr>
+                      <a:r>
+                        <a:rPr lang="en-US" sz="1000" dirty="0"/>
+                        <a:t>File URL, File Path</a:t>
+                      </a:r>
+                    </a:p>
+                  </a:txBody>
+                  <a:tcPr/>
+                </a:tc>
+                <a:extLst>
+                  <a:ext uri="{0D108BD9-81ED-4DB2-BD59-A6C34878D82A}">
+                    <a16:rowId xmlns:a16="http://schemas.microsoft.com/office/drawing/2014/main" val="2475140982"/>
+                  </a:ext>
+                </a:extLst>
+              </a:tr>
+            </a:tbl>
+          </a:graphicData>
+        </a:graphic>
+      </p:graphicFrame>
     </p:spTree>
     <p:extLst>
       <p:ext uri="{BB962C8B-B14F-4D97-AF65-F5344CB8AC3E}">
-        <p14:creationId xmlns:p14="http://schemas.microsoft.com/office/powerpoint/2010/main" val="2867096517"/>
+        <p14:creationId xmlns:p14="http://schemas.microsoft.com/office/powerpoint/2010/main" val="1851196789"/>
       </p:ext>
     </p:extLst>
   </p:cSld>

--- a/chatting.pptx
+++ b/chatting.pptx
@@ -4631,7 +4631,7 @@
                 </a:solidFill>
                 <a:latin typeface="-apple-system"/>
               </a:rPr>
-              <a:t>    - Each users send 100 messages everyday. (20bytes)</a:t>
+              <a:t>    - Each users send 100 messages everyday. (200bytes)</a:t>
             </a:r>
             <a:br>
               <a:rPr lang="en-US" altLang="ko-KR" sz="1600" dirty="0">
@@ -4665,7 +4665,7 @@
                 </a:solidFill>
                 <a:latin typeface="-apple-system"/>
               </a:rPr>
-              <a:t>    - 10million * 100 * 20bytes * 30days = Needs 600gb storage every month</a:t>
+              <a:t>    - 10million * 100 * 200bytes * 30days = Needs 6tb storage every month</a:t>
             </a:r>
           </a:p>
           <a:p>
